--- a/Powerpoint.pptx
+++ b/Powerpoint.pptx
@@ -1,16 +1,16 @@
 
 <file path=ppt/presentation.xml><?xml version="1.0" encoding="utf-8"?>
-<p:presentation xmlns:a="http://schemas.openxmlformats.org/drawingml/2006/main" xmlns:r="http://schemas.openxmlformats.org/officeDocument/2006/relationships" xmlns:p="http://schemas.openxmlformats.org/presentationml/2006/main" xmlns:m="http://schemas.openxmlformats.org/officeDocument/2006/math" xmlns:a14="http://schemas.microsoft.com/office/drawing/2010/main">
+<p:presentation xmlns:a="http://schemas.openxmlformats.org/drawingml/2006/main" xmlns:r="http://schemas.openxmlformats.org/officeDocument/2006/relationships" xmlns:p="http://schemas.openxmlformats.org/presentationml/2006/main">
   <p:sldMasterIdLst>
-    <p:sldMasterId id="2147483648" r:id="rId5"/>
+    <p:sldMasterId id="2147483648" r:id="rId1"/>
   </p:sldMasterIdLst>
   <p:notesMasterIdLst>
-    <p:notesMasterId r:id="rId7"/>
+    <p:notesMasterId r:id="rId5"/>
   </p:notesMasterIdLst>
   <p:sldIdLst>
-    <p:sldId id="256" r:id="rId8"/>
-    <p:sldId id="257" r:id="rId9"/>
-    <p:sldId id="258" r:id="rId10"/>
+    <p:sldId id="256" r:id="rId2"/>
+    <p:sldId id="257" r:id="rId3"/>
+    <p:sldId id="258" r:id="rId4"/>
   </p:sldIdLst>
   <p:sldSz cx="12192000" cy="6858000"/>
   <p:notesSz cx="6858000" cy="9144000"/>
@@ -30,7 +30,7 @@
       <a:buFontTx/>
       <a:buNone/>
       <a:tabLst/>
-      <a:defRPr b="0" baseline="0" cap="none" i="0" spc="0" strike="noStrike" sz="1800" u="none" kumimoji="0" normalizeH="0">
+      <a:defRPr kumimoji="0" sz="1800" b="0" i="0" u="none" strike="noStrike" cap="none" spc="0" normalizeH="0" baseline="0">
         <a:ln>
           <a:noFill/>
         </a:ln>
@@ -56,7 +56,7 @@
       <a:buFontTx/>
       <a:buNone/>
       <a:tabLst/>
-      <a:defRPr b="0" baseline="0" cap="none" i="0" spc="0" strike="noStrike" sz="1800" u="none" kumimoji="0" normalizeH="0">
+      <a:defRPr kumimoji="0" sz="1800" b="0" i="0" u="none" strike="noStrike" cap="none" spc="0" normalizeH="0" baseline="0">
         <a:ln>
           <a:noFill/>
         </a:ln>
@@ -86,7 +86,7 @@
       <a:buFontTx/>
       <a:buNone/>
       <a:tabLst/>
-      <a:defRPr b="0" baseline="0" cap="none" i="0" spc="0" strike="noStrike" sz="1800" u="none" kumimoji="0" normalizeH="0">
+      <a:defRPr kumimoji="0" sz="1800" b="0" i="0" u="none" strike="noStrike" cap="none" spc="0" normalizeH="0" baseline="0">
         <a:ln>
           <a:noFill/>
         </a:ln>
@@ -116,7 +116,7 @@
       <a:buFontTx/>
       <a:buNone/>
       <a:tabLst/>
-      <a:defRPr b="0" baseline="0" cap="none" i="0" spc="0" strike="noStrike" sz="1800" u="none" kumimoji="0" normalizeH="0">
+      <a:defRPr kumimoji="0" sz="1800" b="0" i="0" u="none" strike="noStrike" cap="none" spc="0" normalizeH="0" baseline="0">
         <a:ln>
           <a:noFill/>
         </a:ln>
@@ -146,7 +146,7 @@
       <a:buFontTx/>
       <a:buNone/>
       <a:tabLst/>
-      <a:defRPr b="0" baseline="0" cap="none" i="0" spc="0" strike="noStrike" sz="1800" u="none" kumimoji="0" normalizeH="0">
+      <a:defRPr kumimoji="0" sz="1800" b="0" i="0" u="none" strike="noStrike" cap="none" spc="0" normalizeH="0" baseline="0">
         <a:ln>
           <a:noFill/>
         </a:ln>
@@ -176,7 +176,7 @@
       <a:buFontTx/>
       <a:buNone/>
       <a:tabLst/>
-      <a:defRPr b="0" baseline="0" cap="none" i="0" spc="0" strike="noStrike" sz="1800" u="none" kumimoji="0" normalizeH="0">
+      <a:defRPr kumimoji="0" sz="1800" b="0" i="0" u="none" strike="noStrike" cap="none" spc="0" normalizeH="0" baseline="0">
         <a:ln>
           <a:noFill/>
         </a:ln>
@@ -206,7 +206,7 @@
       <a:buFontTx/>
       <a:buNone/>
       <a:tabLst/>
-      <a:defRPr b="0" baseline="0" cap="none" i="0" spc="0" strike="noStrike" sz="1800" u="none" kumimoji="0" normalizeH="0">
+      <a:defRPr kumimoji="0" sz="1800" b="0" i="0" u="none" strike="noStrike" cap="none" spc="0" normalizeH="0" baseline="0">
         <a:ln>
           <a:noFill/>
         </a:ln>
@@ -236,7 +236,7 @@
       <a:buFontTx/>
       <a:buNone/>
       <a:tabLst/>
-      <a:defRPr b="0" baseline="0" cap="none" i="0" spc="0" strike="noStrike" sz="1800" u="none" kumimoji="0" normalizeH="0">
+      <a:defRPr kumimoji="0" sz="1800" b="0" i="0" u="none" strike="noStrike" cap="none" spc="0" normalizeH="0" baseline="0">
         <a:ln>
           <a:noFill/>
         </a:ln>
@@ -266,7 +266,7 @@
       <a:buFontTx/>
       <a:buNone/>
       <a:tabLst/>
-      <a:defRPr b="0" baseline="0" cap="none" i="0" spc="0" strike="noStrike" sz="1800" u="none" kumimoji="0" normalizeH="0">
+      <a:defRPr kumimoji="0" sz="1800" b="0" i="0" u="none" strike="noStrike" cap="none" spc="0" normalizeH="0" baseline="0">
         <a:ln>
           <a:noFill/>
         </a:ln>
@@ -296,7 +296,7 @@
       <a:buFontTx/>
       <a:buNone/>
       <a:tabLst/>
-      <a:defRPr b="0" baseline="0" cap="none" i="0" spc="0" strike="noStrike" sz="1800" u="none" kumimoji="0" normalizeH="0">
+      <a:defRPr kumimoji="0" sz="1800" b="0" i="0" u="none" strike="noStrike" cap="none" spc="0" normalizeH="0" baseline="0">
         <a:ln>
           <a:noFill/>
         </a:ln>
@@ -315,13 +315,14 @@
 </p:presentation>
 </file>
 
-<file path=ppt/commentAuthors.xml><?xml version="1.0" encoding="utf-8"?>
-<p:cmAuthorLst xmlns:a="http://schemas.openxmlformats.org/drawingml/2006/main" xmlns:r="http://schemas.openxmlformats.org/officeDocument/2006/relationships" xmlns:p="http://schemas.openxmlformats.org/presentationml/2006/main" xmlns:m="http://schemas.openxmlformats.org/officeDocument/2006/math" xmlns:a14="http://schemas.microsoft.com/office/drawing/2010/main"/>
-</file>
-
 <file path=ppt/notesMasters/notesMaster1.xml><?xml version="1.0" encoding="utf-8"?>
-<p:notesMaster xmlns:a="http://schemas.openxmlformats.org/drawingml/2006/main" xmlns:r="http://schemas.openxmlformats.org/officeDocument/2006/relationships" xmlns:p="http://schemas.openxmlformats.org/presentationml/2006/main" xmlns:m="http://schemas.openxmlformats.org/officeDocument/2006/math" xmlns:a14="http://schemas.microsoft.com/office/drawing/2010/main">
+<p:notesMaster xmlns:a="http://schemas.openxmlformats.org/drawingml/2006/main" xmlns:r="http://schemas.openxmlformats.org/officeDocument/2006/relationships" xmlns:p="http://schemas.openxmlformats.org/presentationml/2006/main">
   <p:cSld>
+    <p:bg>
+      <p:bgRef idx="1001">
+        <a:schemeClr val="bg1"/>
+      </p:bgRef>
+    </p:bg>
     <p:spTree>
       <p:nvGrpSpPr>
         <p:cNvPr id="1" name=""/>
@@ -339,7 +340,9 @@
       <p:sp>
         <p:nvSpPr>
           <p:cNvPr id="113" name="Shape 113"/>
-          <p:cNvSpPr/>
+          <p:cNvSpPr>
+            <a:spLocks noGrp="1" noRot="1" noChangeAspect="1"/>
+          </p:cNvSpPr>
           <p:nvPr>
             <p:ph type="sldImg"/>
           </p:nvPr>
@@ -357,14 +360,16 @@
           <a:bodyPr/>
           <a:lstStyle/>
           <a:p>
-            <a:pPr/>
+            <a:endParaRPr/>
           </a:p>
         </p:txBody>
       </p:sp>
       <p:sp>
         <p:nvSpPr>
           <p:cNvPr id="114" name="Shape 114"/>
-          <p:cNvSpPr/>
+          <p:cNvSpPr>
+            <a:spLocks noGrp="1"/>
+          </p:cNvSpPr>
           <p:nvPr>
             <p:ph type="body" sz="quarter" idx="1"/>
           </p:nvPr>
@@ -382,7 +387,7 @@
           <a:bodyPr/>
           <a:lstStyle/>
           <a:p>
-            <a:pPr/>
+            <a:endParaRPr/>
           </a:p>
         </p:txBody>
       </p:sp>
@@ -467,7 +472,7 @@
 </file>
 
 <file path=ppt/slideLayouts/slideLayout1.xml><?xml version="1.0" encoding="utf-8"?>
-<p:sldLayout xmlns:a="http://schemas.openxmlformats.org/drawingml/2006/main" xmlns:r="http://schemas.openxmlformats.org/officeDocument/2006/relationships" xmlns:p="http://schemas.openxmlformats.org/presentationml/2006/main" xmlns:m="http://schemas.openxmlformats.org/officeDocument/2006/math" xmlns:a14="http://schemas.microsoft.com/office/drawing/2010/main" type="title" showMasterSp="1" showMasterPhAnim="1">
+<p:sldLayout xmlns:a="http://schemas.openxmlformats.org/drawingml/2006/main" xmlns:r="http://schemas.openxmlformats.org/officeDocument/2006/relationships" xmlns:p="http://schemas.openxmlformats.org/presentationml/2006/main" type="title">
   <p:cSld name="Title Slide">
     <p:spTree>
       <p:nvGrpSpPr>
@@ -508,14 +513,16 @@
           <a:bodyPr lIns="45719" rIns="45719"/>
           <a:lstStyle/>
           <a:p>
-            <a:pPr/>
+            <a:endParaRPr/>
           </a:p>
         </p:txBody>
       </p:sp>
       <p:sp>
         <p:nvSpPr>
           <p:cNvPr id="14" name="Title Text"/>
-          <p:cNvSpPr txBox="1"/>
+          <p:cNvSpPr txBox="1">
+            <a:spLocks noGrp="1"/>
+          </p:cNvSpPr>
           <p:nvPr>
             <p:ph type="title"/>
           </p:nvPr>
@@ -533,7 +540,7 @@
           <a:bodyPr/>
           <a:lstStyle>
             <a:lvl1pPr>
-              <a:defRPr spc="-50" sz="8000">
+              <a:defRPr sz="8000" spc="-50">
                 <a:solidFill>
                   <a:srgbClr val="262626"/>
                 </a:solidFill>
@@ -541,7 +548,6 @@
             </a:lvl1pPr>
           </a:lstStyle>
           <a:p>
-            <a:pPr/>
             <a:r>
               <a:t>Title Text</a:t>
             </a:r>
@@ -551,7 +557,9 @@
       <p:sp>
         <p:nvSpPr>
           <p:cNvPr id="15" name="Body Level One…"/>
-          <p:cNvSpPr txBox="1"/>
+          <p:cNvSpPr txBox="1">
+            <a:spLocks noGrp="1"/>
+          </p:cNvSpPr>
           <p:nvPr>
             <p:ph type="body" sz="quarter" idx="1"/>
           </p:nvPr>
@@ -573,7 +581,7 @@
               <a:buSzTx/>
               <a:buFontTx/>
               <a:buNone/>
-              <a:defRPr cap="all" spc="200" sz="2400">
+              <a:defRPr sz="2400" cap="all" spc="200">
                 <a:solidFill>
                   <a:srgbClr val="000000"/>
                 </a:solidFill>
@@ -584,7 +592,7 @@
               <a:buSzTx/>
               <a:buFontTx/>
               <a:buNone/>
-              <a:defRPr cap="all" spc="200" sz="2400">
+              <a:defRPr sz="2400" cap="all" spc="200">
                 <a:solidFill>
                   <a:srgbClr val="000000"/>
                 </a:solidFill>
@@ -595,7 +603,7 @@
               <a:buSzTx/>
               <a:buFontTx/>
               <a:buNone/>
-              <a:defRPr cap="all" spc="200" sz="2400">
+              <a:defRPr sz="2400" cap="all" spc="200">
                 <a:solidFill>
                   <a:srgbClr val="000000"/>
                 </a:solidFill>
@@ -606,7 +614,7 @@
               <a:buSzTx/>
               <a:buFontTx/>
               <a:buNone/>
-              <a:defRPr cap="all" spc="200" sz="2400">
+              <a:defRPr sz="2400" cap="all" spc="200">
                 <a:solidFill>
                   <a:srgbClr val="000000"/>
                 </a:solidFill>
@@ -617,7 +625,7 @@
               <a:buSzTx/>
               <a:buFontTx/>
               <a:buNone/>
-              <a:defRPr cap="all" spc="200" sz="2400">
+              <a:defRPr sz="2400" cap="all" spc="200">
                 <a:solidFill>
                   <a:srgbClr val="000000"/>
                 </a:solidFill>
@@ -625,7 +633,6 @@
             </a:lvl5pPr>
           </a:lstStyle>
           <a:p>
-            <a:pPr/>
             <a:r>
               <a:t>Body Level One</a:t>
             </a:r>
@@ -680,14 +687,16 @@
           <a:bodyPr lIns="45719" rIns="45719"/>
           <a:lstStyle/>
           <a:p>
-            <a:pPr/>
+            <a:endParaRPr/>
           </a:p>
         </p:txBody>
       </p:sp>
       <p:sp>
         <p:nvSpPr>
           <p:cNvPr id="17" name="Slide Number"/>
-          <p:cNvSpPr txBox="1"/>
+          <p:cNvSpPr txBox="1">
+            <a:spLocks noGrp="1"/>
+          </p:cNvSpPr>
           <p:nvPr>
             <p:ph type="sldNum" sz="quarter" idx="2"/>
           </p:nvPr>
@@ -701,8 +710,10 @@
           <a:bodyPr/>
           <a:lstStyle/>
           <a:p>
-            <a:pPr/>
-            <a:fld id="{86CB4B4D-7CA3-9044-876B-883B54F8677D}" type="slidenum"/>
+            <a:fld id="{86CB4B4D-7CA3-9044-876B-883B54F8677D}" type="slidenum">
+              <a:t>‹#›</a:t>
+            </a:fld>
+            <a:endParaRPr/>
           </a:p>
         </p:txBody>
       </p:sp>
@@ -711,12 +722,12 @@
   <p:clrMapOvr>
     <a:masterClrMapping/>
   </p:clrMapOvr>
-  <p:transition xmlns:p14="http://schemas.microsoft.com/office/powerpoint/2010/main" spd="med" advClick="1"/>
+  <p:transition spd="med"/>
 </p:sldLayout>
 </file>
 
 <file path=ppt/slideLayouts/slideLayout10.xml><?xml version="1.0" encoding="utf-8"?>
-<p:sldLayout xmlns:a="http://schemas.openxmlformats.org/drawingml/2006/main" xmlns:r="http://schemas.openxmlformats.org/officeDocument/2006/relationships" xmlns:p="http://schemas.openxmlformats.org/presentationml/2006/main" xmlns:m="http://schemas.openxmlformats.org/officeDocument/2006/math" xmlns:a14="http://schemas.microsoft.com/office/drawing/2010/main" type="tx" showMasterSp="1" showMasterPhAnim="1">
+<p:sldLayout xmlns:a="http://schemas.openxmlformats.org/drawingml/2006/main" xmlns:r="http://schemas.openxmlformats.org/officeDocument/2006/relationships" xmlns:p="http://schemas.openxmlformats.org/presentationml/2006/main" type="tx">
   <p:cSld name="Picture with Caption">
     <p:spTree>
       <p:nvGrpSpPr>
@@ -757,14 +768,16 @@
           <a:bodyPr lIns="45719" rIns="45719"/>
           <a:lstStyle/>
           <a:p>
-            <a:pPr/>
+            <a:endParaRPr/>
           </a:p>
         </p:txBody>
       </p:sp>
       <p:sp>
         <p:nvSpPr>
           <p:cNvPr id="104" name="Picture Placeholder 2"/>
-          <p:cNvSpPr/>
+          <p:cNvSpPr>
+            <a:spLocks noGrp="1"/>
+          </p:cNvSpPr>
           <p:nvPr>
             <p:ph type="pic" idx="21"/>
           </p:nvPr>
@@ -784,14 +797,16 @@
           </a:bodyPr>
           <a:lstStyle/>
           <a:p>
-            <a:pPr/>
+            <a:endParaRPr/>
           </a:p>
         </p:txBody>
       </p:sp>
       <p:sp>
         <p:nvSpPr>
           <p:cNvPr id="105" name="Title Text"/>
-          <p:cNvSpPr txBox="1"/>
+          <p:cNvSpPr txBox="1">
+            <a:spLocks noGrp="1"/>
+          </p:cNvSpPr>
           <p:nvPr>
             <p:ph type="title"/>
           </p:nvPr>
@@ -809,7 +824,7 @@
           <a:bodyPr lIns="0" tIns="0" rIns="0" bIns="0"/>
           <a:lstStyle>
             <a:lvl1pPr>
-              <a:defRPr spc="-50" sz="3600">
+              <a:defRPr sz="3600" spc="-50">
                 <a:solidFill>
                   <a:srgbClr val="FFFFFF"/>
                 </a:solidFill>
@@ -817,7 +832,6 @@
             </a:lvl1pPr>
           </a:lstStyle>
           <a:p>
-            <a:pPr/>
             <a:r>
               <a:t>Title Text</a:t>
             </a:r>
@@ -827,7 +841,9 @@
       <p:sp>
         <p:nvSpPr>
           <p:cNvPr id="106" name="Body Level One…"/>
-          <p:cNvSpPr txBox="1"/>
+          <p:cNvSpPr txBox="1">
+            <a:spLocks noGrp="1"/>
+          </p:cNvSpPr>
           <p:nvPr>
             <p:ph type="body" sz="quarter" idx="1"/>
           </p:nvPr>
@@ -916,7 +932,6 @@
             </a:lvl5pPr>
           </a:lstStyle>
           <a:p>
-            <a:pPr/>
             <a:r>
               <a:t>Body Level One</a:t>
             </a:r>
@@ -950,7 +965,9 @@
       <p:sp>
         <p:nvSpPr>
           <p:cNvPr id="107" name="Slide Number"/>
-          <p:cNvSpPr txBox="1"/>
+          <p:cNvSpPr txBox="1">
+            <a:spLocks noGrp="1"/>
+          </p:cNvSpPr>
           <p:nvPr>
             <p:ph type="sldNum" sz="quarter" idx="2"/>
           </p:nvPr>
@@ -964,8 +981,10 @@
           <a:bodyPr/>
           <a:lstStyle/>
           <a:p>
-            <a:pPr/>
-            <a:fld id="{86CB4B4D-7CA3-9044-876B-883B54F8677D}" type="slidenum"/>
+            <a:fld id="{86CB4B4D-7CA3-9044-876B-883B54F8677D}" type="slidenum">
+              <a:t>‹#›</a:t>
+            </a:fld>
+            <a:endParaRPr/>
           </a:p>
         </p:txBody>
       </p:sp>
@@ -974,18 +993,19 @@
   <p:clrMapOvr>
     <a:masterClrMapping/>
   </p:clrMapOvr>
-  <p:transition xmlns:p14="http://schemas.microsoft.com/office/powerpoint/2010/main" spd="med" advClick="1"/>
+  <p:transition spd="med"/>
 </p:sldLayout>
 </file>
 
 <file path=ppt/slideLayouts/slideLayout2.xml><?xml version="1.0" encoding="utf-8"?>
-<p:sldLayout xmlns:a="http://schemas.openxmlformats.org/drawingml/2006/main" xmlns:r="http://schemas.openxmlformats.org/officeDocument/2006/relationships" xmlns:p="http://schemas.openxmlformats.org/presentationml/2006/main" xmlns:m="http://schemas.openxmlformats.org/officeDocument/2006/math" xmlns:a14="http://schemas.microsoft.com/office/drawing/2010/main" type="tx" showMasterSp="0" showMasterPhAnim="1">
+<p:sldLayout xmlns:a="http://schemas.openxmlformats.org/drawingml/2006/main" xmlns:r="http://schemas.openxmlformats.org/officeDocument/2006/relationships" xmlns:p="http://schemas.openxmlformats.org/presentationml/2006/main" showMasterSp="0" type="tx">
   <p:cSld name="Title Slide 0">
     <p:bg>
       <p:bgPr>
         <a:solidFill>
           <a:srgbClr val="D7DACD"/>
         </a:solidFill>
+        <a:effectLst/>
       </p:bgPr>
     </p:bg>
     <p:spTree>
@@ -1034,6 +1054,7 @@
                 </a:solidFill>
               </a:defRPr>
             </a:pPr>
+            <a:endParaRPr/>
           </a:p>
         </p:txBody>
       </p:sp>
@@ -1061,7 +1082,7 @@
           <a:bodyPr lIns="45719" rIns="45719"/>
           <a:lstStyle/>
           <a:p>
-            <a:pPr/>
+            <a:endParaRPr/>
           </a:p>
         </p:txBody>
       </p:sp>
@@ -1097,13 +1118,16 @@
                 </a:solidFill>
               </a:defRPr>
             </a:pPr>
+            <a:endParaRPr/>
           </a:p>
         </p:txBody>
       </p:sp>
       <p:sp>
         <p:nvSpPr>
           <p:cNvPr id="27" name="Title Text"/>
-          <p:cNvSpPr txBox="1"/>
+          <p:cNvSpPr txBox="1">
+            <a:spLocks noGrp="1"/>
+          </p:cNvSpPr>
           <p:nvPr>
             <p:ph type="title"/>
           </p:nvPr>
@@ -1121,7 +1145,7 @@
           <a:bodyPr/>
           <a:lstStyle>
             <a:lvl1pPr>
-              <a:defRPr spc="-50" sz="8000">
+              <a:defRPr sz="8000" spc="-50">
                 <a:solidFill>
                   <a:srgbClr val="FFFFFF"/>
                 </a:solidFill>
@@ -1129,7 +1153,6 @@
             </a:lvl1pPr>
           </a:lstStyle>
           <a:p>
-            <a:pPr/>
             <a:r>
               <a:t>Title Text</a:t>
             </a:r>
@@ -1139,7 +1162,9 @@
       <p:sp>
         <p:nvSpPr>
           <p:cNvPr id="28" name="Body Level One…"/>
-          <p:cNvSpPr txBox="1"/>
+          <p:cNvSpPr txBox="1">
+            <a:spLocks noGrp="1"/>
+          </p:cNvSpPr>
           <p:nvPr>
             <p:ph type="body" sz="quarter" idx="1"/>
           </p:nvPr>
@@ -1161,7 +1186,7 @@
               <a:buSzTx/>
               <a:buFontTx/>
               <a:buNone/>
-              <a:defRPr cap="all" spc="200" sz="2400">
+              <a:defRPr sz="2400" cap="all" spc="200">
                 <a:solidFill>
                   <a:srgbClr val="FFFFFF"/>
                 </a:solidFill>
@@ -1172,7 +1197,7 @@
               <a:buSzTx/>
               <a:buFontTx/>
               <a:buNone/>
-              <a:defRPr cap="all" spc="200" sz="2400">
+              <a:defRPr sz="2400" cap="all" spc="200">
                 <a:solidFill>
                   <a:srgbClr val="FFFFFF"/>
                 </a:solidFill>
@@ -1183,7 +1208,7 @@
               <a:buSzTx/>
               <a:buFontTx/>
               <a:buNone/>
-              <a:defRPr cap="all" spc="200" sz="2400">
+              <a:defRPr sz="2400" cap="all" spc="200">
                 <a:solidFill>
                   <a:srgbClr val="FFFFFF"/>
                 </a:solidFill>
@@ -1194,7 +1219,7 @@
               <a:buSzTx/>
               <a:buFontTx/>
               <a:buNone/>
-              <a:defRPr cap="all" spc="200" sz="2400">
+              <a:defRPr sz="2400" cap="all" spc="200">
                 <a:solidFill>
                   <a:srgbClr val="FFFFFF"/>
                 </a:solidFill>
@@ -1205,7 +1230,7 @@
               <a:buSzTx/>
               <a:buFontTx/>
               <a:buNone/>
-              <a:defRPr cap="all" spc="200" sz="2400">
+              <a:defRPr sz="2400" cap="all" spc="200">
                 <a:solidFill>
                   <a:srgbClr val="FFFFFF"/>
                 </a:solidFill>
@@ -1213,7 +1238,6 @@
             </a:lvl5pPr>
           </a:lstStyle>
           <a:p>
-            <a:pPr/>
             <a:r>
               <a:t>Body Level One</a:t>
             </a:r>
@@ -1268,14 +1292,16 @@
           <a:bodyPr lIns="45719" rIns="45719"/>
           <a:lstStyle/>
           <a:p>
-            <a:pPr/>
+            <a:endParaRPr/>
           </a:p>
         </p:txBody>
       </p:sp>
       <p:sp>
         <p:nvSpPr>
           <p:cNvPr id="30" name="Slide Number"/>
-          <p:cNvSpPr txBox="1"/>
+          <p:cNvSpPr txBox="1">
+            <a:spLocks noGrp="1"/>
+          </p:cNvSpPr>
           <p:nvPr>
             <p:ph type="sldNum" sz="quarter" idx="2"/>
           </p:nvPr>
@@ -1289,8 +1315,10 @@
           <a:bodyPr/>
           <a:lstStyle/>
           <a:p>
-            <a:pPr/>
-            <a:fld id="{86CB4B4D-7CA3-9044-876B-883B54F8677D}" type="slidenum"/>
+            <a:fld id="{86CB4B4D-7CA3-9044-876B-883B54F8677D}" type="slidenum">
+              <a:t>‹#›</a:t>
+            </a:fld>
+            <a:endParaRPr/>
           </a:p>
         </p:txBody>
       </p:sp>
@@ -1299,12 +1327,12 @@
   <p:clrMapOvr>
     <a:masterClrMapping/>
   </p:clrMapOvr>
-  <p:transition xmlns:p14="http://schemas.microsoft.com/office/powerpoint/2010/main" spd="med" advClick="1"/>
+  <p:transition spd="med"/>
 </p:sldLayout>
 </file>
 
 <file path=ppt/slideLayouts/slideLayout3.xml><?xml version="1.0" encoding="utf-8"?>
-<p:sldLayout xmlns:a="http://schemas.openxmlformats.org/drawingml/2006/main" xmlns:r="http://schemas.openxmlformats.org/officeDocument/2006/relationships" xmlns:p="http://schemas.openxmlformats.org/presentationml/2006/main" xmlns:m="http://schemas.openxmlformats.org/officeDocument/2006/math" xmlns:a14="http://schemas.microsoft.com/office/drawing/2010/main" type="tx" showMasterSp="1" showMasterPhAnim="1">
+<p:sldLayout xmlns:a="http://schemas.openxmlformats.org/drawingml/2006/main" xmlns:r="http://schemas.openxmlformats.org/officeDocument/2006/relationships" xmlns:p="http://schemas.openxmlformats.org/presentationml/2006/main" type="tx">
   <p:cSld name="Title and Content">
     <p:spTree>
       <p:nvGrpSpPr>
@@ -1323,7 +1351,9 @@
       <p:sp>
         <p:nvSpPr>
           <p:cNvPr id="37" name="Title Text"/>
-          <p:cNvSpPr txBox="1"/>
+          <p:cNvSpPr txBox="1">
+            <a:spLocks noGrp="1"/>
+          </p:cNvSpPr>
           <p:nvPr>
             <p:ph type="title"/>
           </p:nvPr>
@@ -1337,7 +1367,6 @@
           <a:bodyPr/>
           <a:lstStyle/>
           <a:p>
-            <a:pPr/>
             <a:r>
               <a:t>Title Text</a:t>
             </a:r>
@@ -1347,7 +1376,9 @@
       <p:sp>
         <p:nvSpPr>
           <p:cNvPr id="38" name="Body Level One…"/>
-          <p:cNvSpPr txBox="1"/>
+          <p:cNvSpPr txBox="1">
+            <a:spLocks noGrp="1"/>
+          </p:cNvSpPr>
           <p:nvPr>
             <p:ph type="body" idx="1"/>
           </p:nvPr>
@@ -1365,7 +1396,6 @@
           <a:bodyPr/>
           <a:lstStyle/>
           <a:p>
-            <a:pPr/>
             <a:r>
               <a:t>Body Level One</a:t>
             </a:r>
@@ -1399,7 +1429,9 @@
       <p:sp>
         <p:nvSpPr>
           <p:cNvPr id="39" name="Slide Number"/>
-          <p:cNvSpPr txBox="1"/>
+          <p:cNvSpPr txBox="1">
+            <a:spLocks noGrp="1"/>
+          </p:cNvSpPr>
           <p:nvPr>
             <p:ph type="sldNum" sz="quarter" idx="2"/>
           </p:nvPr>
@@ -1413,8 +1445,10 @@
           <a:bodyPr/>
           <a:lstStyle/>
           <a:p>
-            <a:pPr/>
-            <a:fld id="{86CB4B4D-7CA3-9044-876B-883B54F8677D}" type="slidenum"/>
+            <a:fld id="{86CB4B4D-7CA3-9044-876B-883B54F8677D}" type="slidenum">
+              <a:t>‹#›</a:t>
+            </a:fld>
+            <a:endParaRPr/>
           </a:p>
         </p:txBody>
       </p:sp>
@@ -1423,12 +1457,12 @@
   <p:clrMapOvr>
     <a:masterClrMapping/>
   </p:clrMapOvr>
-  <p:transition xmlns:p14="http://schemas.microsoft.com/office/powerpoint/2010/main" spd="med" advClick="1"/>
+  <p:transition spd="med"/>
 </p:sldLayout>
 </file>
 
 <file path=ppt/slideLayouts/slideLayout4.xml><?xml version="1.0" encoding="utf-8"?>
-<p:sldLayout xmlns:a="http://schemas.openxmlformats.org/drawingml/2006/main" xmlns:r="http://schemas.openxmlformats.org/officeDocument/2006/relationships" xmlns:p="http://schemas.openxmlformats.org/presentationml/2006/main" xmlns:m="http://schemas.openxmlformats.org/officeDocument/2006/math" xmlns:a14="http://schemas.microsoft.com/office/drawing/2010/main" type="tx" showMasterSp="1" showMasterPhAnim="1">
+<p:sldLayout xmlns:a="http://schemas.openxmlformats.org/drawingml/2006/main" xmlns:r="http://schemas.openxmlformats.org/officeDocument/2006/relationships" xmlns:p="http://schemas.openxmlformats.org/presentationml/2006/main" type="tx">
   <p:cSld name="Section Header">
     <p:spTree>
       <p:nvGrpSpPr>
@@ -1469,14 +1503,16 @@
           <a:bodyPr lIns="45719" rIns="45719"/>
           <a:lstStyle/>
           <a:p>
-            <a:pPr/>
+            <a:endParaRPr/>
           </a:p>
         </p:txBody>
       </p:sp>
       <p:sp>
         <p:nvSpPr>
           <p:cNvPr id="47" name="Title Text"/>
-          <p:cNvSpPr txBox="1"/>
+          <p:cNvSpPr txBox="1">
+            <a:spLocks noGrp="1"/>
+          </p:cNvSpPr>
           <p:nvPr>
             <p:ph type="title"/>
           </p:nvPr>
@@ -1494,7 +1530,7 @@
           <a:bodyPr/>
           <a:lstStyle>
             <a:lvl1pPr>
-              <a:defRPr spc="-50" sz="8000">
+              <a:defRPr sz="8000" spc="-50">
                 <a:solidFill>
                   <a:srgbClr val="262626"/>
                 </a:solidFill>
@@ -1502,7 +1538,6 @@
             </a:lvl1pPr>
           </a:lstStyle>
           <a:p>
-            <a:pPr/>
             <a:r>
               <a:t>Title Text</a:t>
             </a:r>
@@ -1512,7 +1547,9 @@
       <p:sp>
         <p:nvSpPr>
           <p:cNvPr id="48" name="Body Level One…"/>
-          <p:cNvSpPr txBox="1"/>
+          <p:cNvSpPr txBox="1">
+            <a:spLocks noGrp="1"/>
+          </p:cNvSpPr>
           <p:nvPr>
             <p:ph type="body" sz="quarter" idx="1"/>
           </p:nvPr>
@@ -1534,7 +1571,7 @@
               <a:buSzTx/>
               <a:buFontTx/>
               <a:buNone/>
-              <a:defRPr cap="all" spc="200" sz="2400">
+              <a:defRPr sz="2400" cap="all" spc="200">
                 <a:solidFill>
                   <a:srgbClr val="000000"/>
                 </a:solidFill>
@@ -1545,7 +1582,7 @@
               <a:buSzTx/>
               <a:buFontTx/>
               <a:buNone/>
-              <a:defRPr cap="all" spc="200" sz="2400">
+              <a:defRPr sz="2400" cap="all" spc="200">
                 <a:solidFill>
                   <a:srgbClr val="000000"/>
                 </a:solidFill>
@@ -1556,7 +1593,7 @@
               <a:buSzTx/>
               <a:buFontTx/>
               <a:buNone/>
-              <a:defRPr cap="all" spc="200" sz="2400">
+              <a:defRPr sz="2400" cap="all" spc="200">
                 <a:solidFill>
                   <a:srgbClr val="000000"/>
                 </a:solidFill>
@@ -1567,7 +1604,7 @@
               <a:buSzTx/>
               <a:buFontTx/>
               <a:buNone/>
-              <a:defRPr cap="all" spc="200" sz="2400">
+              <a:defRPr sz="2400" cap="all" spc="200">
                 <a:solidFill>
                   <a:srgbClr val="000000"/>
                 </a:solidFill>
@@ -1578,7 +1615,7 @@
               <a:buSzTx/>
               <a:buFontTx/>
               <a:buNone/>
-              <a:defRPr cap="all" spc="200" sz="2400">
+              <a:defRPr sz="2400" cap="all" spc="200">
                 <a:solidFill>
                   <a:srgbClr val="000000"/>
                 </a:solidFill>
@@ -1586,7 +1623,6 @@
             </a:lvl5pPr>
           </a:lstStyle>
           <a:p>
-            <a:pPr/>
             <a:r>
               <a:t>Body Level One</a:t>
             </a:r>
@@ -1641,14 +1677,16 @@
           <a:bodyPr lIns="45719" rIns="45719"/>
           <a:lstStyle/>
           <a:p>
-            <a:pPr/>
+            <a:endParaRPr/>
           </a:p>
         </p:txBody>
       </p:sp>
       <p:sp>
         <p:nvSpPr>
           <p:cNvPr id="50" name="Slide Number"/>
-          <p:cNvSpPr txBox="1"/>
+          <p:cNvSpPr txBox="1">
+            <a:spLocks noGrp="1"/>
+          </p:cNvSpPr>
           <p:nvPr>
             <p:ph type="sldNum" sz="quarter" idx="2"/>
           </p:nvPr>
@@ -1662,8 +1700,10 @@
           <a:bodyPr/>
           <a:lstStyle/>
           <a:p>
-            <a:pPr/>
-            <a:fld id="{86CB4B4D-7CA3-9044-876B-883B54F8677D}" type="slidenum"/>
+            <a:fld id="{86CB4B4D-7CA3-9044-876B-883B54F8677D}" type="slidenum">
+              <a:t>‹#›</a:t>
+            </a:fld>
+            <a:endParaRPr/>
           </a:p>
         </p:txBody>
       </p:sp>
@@ -1672,12 +1712,12 @@
   <p:clrMapOvr>
     <a:masterClrMapping/>
   </p:clrMapOvr>
-  <p:transition xmlns:p14="http://schemas.microsoft.com/office/powerpoint/2010/main" spd="med" advClick="1"/>
+  <p:transition spd="med"/>
 </p:sldLayout>
 </file>
 
 <file path=ppt/slideLayouts/slideLayout5.xml><?xml version="1.0" encoding="utf-8"?>
-<p:sldLayout xmlns:a="http://schemas.openxmlformats.org/drawingml/2006/main" xmlns:r="http://schemas.openxmlformats.org/officeDocument/2006/relationships" xmlns:p="http://schemas.openxmlformats.org/presentationml/2006/main" xmlns:m="http://schemas.openxmlformats.org/officeDocument/2006/math" xmlns:a14="http://schemas.microsoft.com/office/drawing/2010/main" type="tx" showMasterSp="1" showMasterPhAnim="1">
+<p:sldLayout xmlns:a="http://schemas.openxmlformats.org/drawingml/2006/main" xmlns:r="http://schemas.openxmlformats.org/officeDocument/2006/relationships" xmlns:p="http://schemas.openxmlformats.org/presentationml/2006/main" type="tx">
   <p:cSld name="Two Content">
     <p:spTree>
       <p:nvGrpSpPr>
@@ -1696,7 +1736,9 @@
       <p:sp>
         <p:nvSpPr>
           <p:cNvPr id="57" name="Title Text"/>
-          <p:cNvSpPr txBox="1"/>
+          <p:cNvSpPr txBox="1">
+            <a:spLocks noGrp="1"/>
+          </p:cNvSpPr>
           <p:nvPr>
             <p:ph type="title"/>
           </p:nvPr>
@@ -1710,7 +1752,6 @@
           <a:bodyPr/>
           <a:lstStyle/>
           <a:p>
-            <a:pPr/>
             <a:r>
               <a:t>Title Text</a:t>
             </a:r>
@@ -1720,7 +1761,9 @@
       <p:sp>
         <p:nvSpPr>
           <p:cNvPr id="58" name="Body Level One…"/>
-          <p:cNvSpPr txBox="1"/>
+          <p:cNvSpPr txBox="1">
+            <a:spLocks noGrp="1"/>
+          </p:cNvSpPr>
           <p:nvPr>
             <p:ph type="body" sz="half" idx="1"/>
           </p:nvPr>
@@ -1738,7 +1781,6 @@
           <a:bodyPr/>
           <a:lstStyle/>
           <a:p>
-            <a:pPr/>
             <a:r>
               <a:t>Body Level One</a:t>
             </a:r>
@@ -1772,7 +1814,9 @@
       <p:sp>
         <p:nvSpPr>
           <p:cNvPr id="59" name="Slide Number"/>
-          <p:cNvSpPr txBox="1"/>
+          <p:cNvSpPr txBox="1">
+            <a:spLocks noGrp="1"/>
+          </p:cNvSpPr>
           <p:nvPr>
             <p:ph type="sldNum" sz="quarter" idx="2"/>
           </p:nvPr>
@@ -1786,8 +1830,10 @@
           <a:bodyPr/>
           <a:lstStyle/>
           <a:p>
-            <a:pPr/>
-            <a:fld id="{86CB4B4D-7CA3-9044-876B-883B54F8677D}" type="slidenum"/>
+            <a:fld id="{86CB4B4D-7CA3-9044-876B-883B54F8677D}" type="slidenum">
+              <a:t>‹#›</a:t>
+            </a:fld>
+            <a:endParaRPr/>
           </a:p>
         </p:txBody>
       </p:sp>
@@ -1796,12 +1842,12 @@
   <p:clrMapOvr>
     <a:masterClrMapping/>
   </p:clrMapOvr>
-  <p:transition xmlns:p14="http://schemas.microsoft.com/office/powerpoint/2010/main" spd="med" advClick="1"/>
+  <p:transition spd="med"/>
 </p:sldLayout>
 </file>
 
 <file path=ppt/slideLayouts/slideLayout6.xml><?xml version="1.0" encoding="utf-8"?>
-<p:sldLayout xmlns:a="http://schemas.openxmlformats.org/drawingml/2006/main" xmlns:r="http://schemas.openxmlformats.org/officeDocument/2006/relationships" xmlns:p="http://schemas.openxmlformats.org/presentationml/2006/main" xmlns:m="http://schemas.openxmlformats.org/officeDocument/2006/math" xmlns:a14="http://schemas.microsoft.com/office/drawing/2010/main" type="tx" showMasterSp="1" showMasterPhAnim="1">
+<p:sldLayout xmlns:a="http://schemas.openxmlformats.org/drawingml/2006/main" xmlns:r="http://schemas.openxmlformats.org/officeDocument/2006/relationships" xmlns:p="http://schemas.openxmlformats.org/presentationml/2006/main" type="tx">
   <p:cSld name="Comparison">
     <p:spTree>
       <p:nvGrpSpPr>
@@ -1820,7 +1866,9 @@
       <p:sp>
         <p:nvSpPr>
           <p:cNvPr id="66" name="Title Text"/>
-          <p:cNvSpPr txBox="1"/>
+          <p:cNvSpPr txBox="1">
+            <a:spLocks noGrp="1"/>
+          </p:cNvSpPr>
           <p:nvPr>
             <p:ph type="title"/>
           </p:nvPr>
@@ -1834,7 +1882,6 @@
           <a:bodyPr/>
           <a:lstStyle/>
           <a:p>
-            <a:pPr/>
             <a:r>
               <a:t>Title Text</a:t>
             </a:r>
@@ -1844,7 +1891,9 @@
       <p:sp>
         <p:nvSpPr>
           <p:cNvPr id="67" name="Body Level One…"/>
-          <p:cNvSpPr txBox="1"/>
+          <p:cNvSpPr txBox="1">
+            <a:spLocks noGrp="1"/>
+          </p:cNvSpPr>
           <p:nvPr>
             <p:ph type="body" sz="quarter" idx="1"/>
           </p:nvPr>
@@ -1866,7 +1915,7 @@
               <a:buSzTx/>
               <a:buFontTx/>
               <a:buNone/>
-              <a:defRPr cap="all" sz="2000">
+              <a:defRPr sz="2000" cap="all">
                 <a:solidFill>
                   <a:srgbClr val="000000"/>
                 </a:solidFill>
@@ -1877,7 +1926,7 @@
               <a:buSzTx/>
               <a:buFontTx/>
               <a:buNone/>
-              <a:defRPr cap="all" sz="2000">
+              <a:defRPr sz="2000" cap="all">
                 <a:solidFill>
                   <a:srgbClr val="000000"/>
                 </a:solidFill>
@@ -1888,7 +1937,7 @@
               <a:buSzTx/>
               <a:buFontTx/>
               <a:buNone/>
-              <a:defRPr cap="all" sz="2000">
+              <a:defRPr sz="2000" cap="all">
                 <a:solidFill>
                   <a:srgbClr val="000000"/>
                 </a:solidFill>
@@ -1899,7 +1948,7 @@
               <a:buSzTx/>
               <a:buFontTx/>
               <a:buNone/>
-              <a:defRPr cap="all" sz="2000">
+              <a:defRPr sz="2000" cap="all">
                 <a:solidFill>
                   <a:srgbClr val="000000"/>
                 </a:solidFill>
@@ -1910,7 +1959,7 @@
               <a:buSzTx/>
               <a:buFontTx/>
               <a:buNone/>
-              <a:defRPr cap="all" sz="2000">
+              <a:defRPr sz="2000" cap="all">
                 <a:solidFill>
                   <a:srgbClr val="000000"/>
                 </a:solidFill>
@@ -1918,7 +1967,6 @@
             </a:lvl5pPr>
           </a:lstStyle>
           <a:p>
-            <a:pPr/>
             <a:r>
               <a:t>Body Level One</a:t>
             </a:r>
@@ -1952,7 +2000,9 @@
       <p:sp>
         <p:nvSpPr>
           <p:cNvPr id="68" name="Text Placeholder 4"/>
-          <p:cNvSpPr/>
+          <p:cNvSpPr>
+            <a:spLocks noGrp="1"/>
+          </p:cNvSpPr>
           <p:nvPr>
             <p:ph type="body" sz="quarter" idx="21"/>
           </p:nvPr>
@@ -1975,19 +2025,22 @@
               <a:buSzTx/>
               <a:buFontTx/>
               <a:buNone/>
-              <a:defRPr cap="all" sz="2000">
+              <a:defRPr sz="2000" cap="all">
                 <a:solidFill>
                   <a:srgbClr val="000000"/>
                 </a:solidFill>
               </a:defRPr>
             </a:pPr>
+            <a:endParaRPr/>
           </a:p>
         </p:txBody>
       </p:sp>
       <p:sp>
         <p:nvSpPr>
           <p:cNvPr id="69" name="Slide Number"/>
-          <p:cNvSpPr txBox="1"/>
+          <p:cNvSpPr txBox="1">
+            <a:spLocks noGrp="1"/>
+          </p:cNvSpPr>
           <p:nvPr>
             <p:ph type="sldNum" sz="quarter" idx="2"/>
           </p:nvPr>
@@ -2001,8 +2054,10 @@
           <a:bodyPr/>
           <a:lstStyle/>
           <a:p>
-            <a:pPr/>
-            <a:fld id="{86CB4B4D-7CA3-9044-876B-883B54F8677D}" type="slidenum"/>
+            <a:fld id="{86CB4B4D-7CA3-9044-876B-883B54F8677D}" type="slidenum">
+              <a:t>‹#›</a:t>
+            </a:fld>
+            <a:endParaRPr/>
           </a:p>
         </p:txBody>
       </p:sp>
@@ -2011,12 +2066,12 @@
   <p:clrMapOvr>
     <a:masterClrMapping/>
   </p:clrMapOvr>
-  <p:transition xmlns:p14="http://schemas.microsoft.com/office/powerpoint/2010/main" spd="med" advClick="1"/>
+  <p:transition spd="med"/>
 </p:sldLayout>
 </file>
 
 <file path=ppt/slideLayouts/slideLayout7.xml><?xml version="1.0" encoding="utf-8"?>
-<p:sldLayout xmlns:a="http://schemas.openxmlformats.org/drawingml/2006/main" xmlns:r="http://schemas.openxmlformats.org/officeDocument/2006/relationships" xmlns:p="http://schemas.openxmlformats.org/presentationml/2006/main" xmlns:m="http://schemas.openxmlformats.org/officeDocument/2006/math" xmlns:a14="http://schemas.microsoft.com/office/drawing/2010/main" type="tx" showMasterSp="1" showMasterPhAnim="1">
+<p:sldLayout xmlns:a="http://schemas.openxmlformats.org/drawingml/2006/main" xmlns:r="http://schemas.openxmlformats.org/officeDocument/2006/relationships" xmlns:p="http://schemas.openxmlformats.org/presentationml/2006/main" type="tx">
   <p:cSld name="Title Only">
     <p:spTree>
       <p:nvGrpSpPr>
@@ -2035,7 +2090,9 @@
       <p:sp>
         <p:nvSpPr>
           <p:cNvPr id="76" name="Title Text"/>
-          <p:cNvSpPr txBox="1"/>
+          <p:cNvSpPr txBox="1">
+            <a:spLocks noGrp="1"/>
+          </p:cNvSpPr>
           <p:nvPr>
             <p:ph type="title"/>
           </p:nvPr>
@@ -2049,7 +2106,6 @@
           <a:bodyPr/>
           <a:lstStyle/>
           <a:p>
-            <a:pPr/>
             <a:r>
               <a:t>Title Text</a:t>
             </a:r>
@@ -2059,7 +2115,9 @@
       <p:sp>
         <p:nvSpPr>
           <p:cNvPr id="77" name="Slide Number"/>
-          <p:cNvSpPr txBox="1"/>
+          <p:cNvSpPr txBox="1">
+            <a:spLocks noGrp="1"/>
+          </p:cNvSpPr>
           <p:nvPr>
             <p:ph type="sldNum" sz="quarter" idx="2"/>
           </p:nvPr>
@@ -2073,8 +2131,10 @@
           <a:bodyPr/>
           <a:lstStyle/>
           <a:p>
-            <a:pPr/>
-            <a:fld id="{86CB4B4D-7CA3-9044-876B-883B54F8677D}" type="slidenum"/>
+            <a:fld id="{86CB4B4D-7CA3-9044-876B-883B54F8677D}" type="slidenum">
+              <a:t>‹#›</a:t>
+            </a:fld>
+            <a:endParaRPr/>
           </a:p>
         </p:txBody>
       </p:sp>
@@ -2083,12 +2143,12 @@
   <p:clrMapOvr>
     <a:masterClrMapping/>
   </p:clrMapOvr>
-  <p:transition xmlns:p14="http://schemas.microsoft.com/office/powerpoint/2010/main" spd="med" advClick="1"/>
+  <p:transition spd="med"/>
 </p:sldLayout>
 </file>
 
 <file path=ppt/slideLayouts/slideLayout8.xml><?xml version="1.0" encoding="utf-8"?>
-<p:sldLayout xmlns:a="http://schemas.openxmlformats.org/drawingml/2006/main" xmlns:r="http://schemas.openxmlformats.org/officeDocument/2006/relationships" xmlns:p="http://schemas.openxmlformats.org/presentationml/2006/main" xmlns:m="http://schemas.openxmlformats.org/officeDocument/2006/math" xmlns:a14="http://schemas.microsoft.com/office/drawing/2010/main" type="tx" showMasterSp="1" showMasterPhAnim="1">
+<p:sldLayout xmlns:a="http://schemas.openxmlformats.org/drawingml/2006/main" xmlns:r="http://schemas.openxmlformats.org/officeDocument/2006/relationships" xmlns:p="http://schemas.openxmlformats.org/presentationml/2006/main" type="tx">
   <p:cSld name="Blank">
     <p:spTree>
       <p:nvGrpSpPr>
@@ -2129,14 +2189,16 @@
           <a:bodyPr lIns="45719" rIns="45719"/>
           <a:lstStyle/>
           <a:p>
-            <a:pPr/>
+            <a:endParaRPr/>
           </a:p>
         </p:txBody>
       </p:sp>
       <p:sp>
         <p:nvSpPr>
           <p:cNvPr id="85" name="Slide Number"/>
-          <p:cNvSpPr txBox="1"/>
+          <p:cNvSpPr txBox="1">
+            <a:spLocks noGrp="1"/>
+          </p:cNvSpPr>
           <p:nvPr>
             <p:ph type="sldNum" sz="quarter" idx="2"/>
           </p:nvPr>
@@ -2150,8 +2212,10 @@
           <a:bodyPr/>
           <a:lstStyle/>
           <a:p>
-            <a:pPr/>
-            <a:fld id="{86CB4B4D-7CA3-9044-876B-883B54F8677D}" type="slidenum"/>
+            <a:fld id="{86CB4B4D-7CA3-9044-876B-883B54F8677D}" type="slidenum">
+              <a:t>‹#›</a:t>
+            </a:fld>
+            <a:endParaRPr/>
           </a:p>
         </p:txBody>
       </p:sp>
@@ -2160,12 +2224,12 @@
   <p:clrMapOvr>
     <a:masterClrMapping/>
   </p:clrMapOvr>
-  <p:transition xmlns:p14="http://schemas.microsoft.com/office/powerpoint/2010/main" spd="med" advClick="1"/>
+  <p:transition spd="med"/>
 </p:sldLayout>
 </file>
 
 <file path=ppt/slideLayouts/slideLayout9.xml><?xml version="1.0" encoding="utf-8"?>
-<p:sldLayout xmlns:a="http://schemas.openxmlformats.org/drawingml/2006/main" xmlns:r="http://schemas.openxmlformats.org/officeDocument/2006/relationships" xmlns:p="http://schemas.openxmlformats.org/presentationml/2006/main" xmlns:m="http://schemas.openxmlformats.org/officeDocument/2006/math" xmlns:a14="http://schemas.microsoft.com/office/drawing/2010/main" type="tx" showMasterSp="1" showMasterPhAnim="1">
+<p:sldLayout xmlns:a="http://schemas.openxmlformats.org/drawingml/2006/main" xmlns:r="http://schemas.openxmlformats.org/officeDocument/2006/relationships" xmlns:p="http://schemas.openxmlformats.org/presentationml/2006/main" type="tx">
   <p:cSld name="Content with Caption">
     <p:spTree>
       <p:nvGrpSpPr>
@@ -2206,14 +2270,16 @@
           <a:bodyPr lIns="45719" rIns="45719"/>
           <a:lstStyle/>
           <a:p>
-            <a:pPr/>
+            <a:endParaRPr/>
           </a:p>
         </p:txBody>
       </p:sp>
       <p:sp>
         <p:nvSpPr>
           <p:cNvPr id="93" name="Title Text"/>
-          <p:cNvSpPr txBox="1"/>
+          <p:cNvSpPr txBox="1">
+            <a:spLocks noGrp="1"/>
+          </p:cNvSpPr>
           <p:nvPr>
             <p:ph type="title"/>
           </p:nvPr>
@@ -2231,7 +2297,7 @@
           <a:bodyPr/>
           <a:lstStyle>
             <a:lvl1pPr>
-              <a:defRPr spc="-50" sz="3600">
+              <a:defRPr sz="3600" spc="-50">
                 <a:solidFill>
                   <a:srgbClr val="FFFFFF"/>
                 </a:solidFill>
@@ -2239,7 +2305,6 @@
             </a:lvl1pPr>
           </a:lstStyle>
           <a:p>
-            <a:pPr/>
             <a:r>
               <a:t>Title Text</a:t>
             </a:r>
@@ -2249,7 +2314,9 @@
       <p:sp>
         <p:nvSpPr>
           <p:cNvPr id="94" name="Body Level One…"/>
-          <p:cNvSpPr txBox="1"/>
+          <p:cNvSpPr txBox="1">
+            <a:spLocks noGrp="1"/>
+          </p:cNvSpPr>
           <p:nvPr>
             <p:ph type="body" sz="half" idx="1"/>
           </p:nvPr>
@@ -2267,7 +2334,6 @@
           <a:bodyPr/>
           <a:lstStyle/>
           <a:p>
-            <a:pPr/>
             <a:r>
               <a:t>Body Level One</a:t>
             </a:r>
@@ -2301,7 +2367,9 @@
       <p:sp>
         <p:nvSpPr>
           <p:cNvPr id="95" name="Text Placeholder 3"/>
-          <p:cNvSpPr/>
+          <p:cNvSpPr>
+            <a:spLocks noGrp="1"/>
+          </p:cNvSpPr>
           <p:nvPr>
             <p:ph type="body" sz="quarter" idx="21"/>
           </p:nvPr>
@@ -2330,13 +2398,16 @@
                 </a:solidFill>
               </a:defRPr>
             </a:pPr>
+            <a:endParaRPr/>
           </a:p>
         </p:txBody>
       </p:sp>
       <p:sp>
         <p:nvSpPr>
           <p:cNvPr id="96" name="Slide Number"/>
-          <p:cNvSpPr txBox="1"/>
+          <p:cNvSpPr txBox="1">
+            <a:spLocks noGrp="1"/>
+          </p:cNvSpPr>
           <p:nvPr>
             <p:ph type="sldNum" sz="quarter" idx="2"/>
           </p:nvPr>
@@ -2358,8 +2429,10 @@
             </a:lvl1pPr>
           </a:lstStyle>
           <a:p>
-            <a:pPr/>
-            <a:fld id="{86CB4B4D-7CA3-9044-876B-883B54F8677D}" type="slidenum"/>
+            <a:fld id="{86CB4B4D-7CA3-9044-876B-883B54F8677D}" type="slidenum">
+              <a:t>‹#›</a:t>
+            </a:fld>
+            <a:endParaRPr/>
           </a:p>
         </p:txBody>
       </p:sp>
@@ -2368,18 +2441,19 @@
   <p:clrMapOvr>
     <a:masterClrMapping/>
   </p:clrMapOvr>
-  <p:transition xmlns:p14="http://schemas.microsoft.com/office/powerpoint/2010/main" spd="med" advClick="1"/>
+  <p:transition spd="med"/>
 </p:sldLayout>
 </file>
 
 <file path=ppt/slideMasters/slideMaster1.xml><?xml version="1.0" encoding="utf-8"?>
-<p:sldMaster xmlns:a="http://schemas.openxmlformats.org/drawingml/2006/main" xmlns:r="http://schemas.openxmlformats.org/officeDocument/2006/relationships" xmlns:p="http://schemas.openxmlformats.org/presentationml/2006/main" xmlns:m="http://schemas.openxmlformats.org/officeDocument/2006/math" xmlns:a14="http://schemas.microsoft.com/office/drawing/2010/main">
+<p:sldMaster xmlns:a="http://schemas.openxmlformats.org/drawingml/2006/main" xmlns:r="http://schemas.openxmlformats.org/officeDocument/2006/relationships" xmlns:p="http://schemas.openxmlformats.org/presentationml/2006/main">
   <p:cSld>
     <p:bg>
       <p:bgPr>
         <a:solidFill>
           <a:srgbClr val="F5B6A7"/>
         </a:solidFill>
+        <a:effectLst/>
       </p:bgPr>
     </p:bg>
     <p:spTree>
@@ -2421,7 +2495,7 @@
           <a:bodyPr lIns="45719" rIns="45719"/>
           <a:lstStyle/>
           <a:p>
-            <a:pPr/>
+            <a:endParaRPr/>
           </a:p>
         </p:txBody>
       </p:sp>
@@ -2449,14 +2523,16 @@
           <a:bodyPr lIns="45719" rIns="45719"/>
           <a:lstStyle/>
           <a:p>
-            <a:pPr/>
+            <a:endParaRPr/>
           </a:p>
         </p:txBody>
       </p:sp>
       <p:sp>
         <p:nvSpPr>
           <p:cNvPr id="4" name="Title Text"/>
-          <p:cNvSpPr txBox="1"/>
+          <p:cNvSpPr txBox="1">
+            <a:spLocks noGrp="1"/>
+          </p:cNvSpPr>
           <p:nvPr>
             <p:ph type="title"/>
           </p:nvPr>
@@ -2474,17 +2550,16 @@
           </a:ln>
           <a:extLst>
             <a:ext uri="{C572A759-6A51-4108-AA02-DFA0A04FC94B}">
-              <ma14:wrappingTextBoxFlag xmlns:ma14="http://schemas.microsoft.com/office/mac/drawingml/2011/main" val="1"/>
+              <ma14:wrappingTextBoxFlag xmlns:ma14="http://schemas.microsoft.com/office/mac/drawingml/2011/main" xmlns:a14="http://schemas.microsoft.com/office/drawing/2010/main" xmlns:m="http://schemas.openxmlformats.org/officeDocument/2006/math" xmlns="" val="1"/>
             </a:ext>
           </a:extLst>
         </p:spPr>
         <p:txBody>
           <a:bodyPr lIns="45719" rIns="45719" anchor="b">
-            <a:normAutofit fontScale="100000" lnSpcReduction="0"/>
+            <a:normAutofit/>
           </a:bodyPr>
           <a:lstStyle/>
           <a:p>
-            <a:pPr/>
             <a:r>
               <a:t>Title Text</a:t>
             </a:r>
@@ -2494,7 +2569,9 @@
       <p:sp>
         <p:nvSpPr>
           <p:cNvPr id="5" name="Body Level One…"/>
-          <p:cNvSpPr txBox="1"/>
+          <p:cNvSpPr txBox="1">
+            <a:spLocks noGrp="1"/>
+          </p:cNvSpPr>
           <p:nvPr>
             <p:ph type="body" idx="1"/>
           </p:nvPr>
@@ -2512,17 +2589,16 @@
           </a:ln>
           <a:extLst>
             <a:ext uri="{C572A759-6A51-4108-AA02-DFA0A04FC94B}">
-              <ma14:wrappingTextBoxFlag xmlns:ma14="http://schemas.microsoft.com/office/mac/drawingml/2011/main" val="1"/>
+              <ma14:wrappingTextBoxFlag xmlns:ma14="http://schemas.microsoft.com/office/mac/drawingml/2011/main" xmlns:a14="http://schemas.microsoft.com/office/drawing/2010/main" xmlns:m="http://schemas.openxmlformats.org/officeDocument/2006/math" xmlns="" val="1"/>
             </a:ext>
           </a:extLst>
         </p:spPr>
         <p:txBody>
           <a:bodyPr lIns="0" tIns="0" rIns="0" bIns="0">
-            <a:normAutofit fontScale="100000" lnSpcReduction="0"/>
+            <a:normAutofit/>
           </a:bodyPr>
           <a:lstStyle/>
           <a:p>
-            <a:pPr/>
             <a:r>
               <a:t>Body Level One</a:t>
             </a:r>
@@ -2556,7 +2632,9 @@
       <p:sp>
         <p:nvSpPr>
           <p:cNvPr id="6" name="Slide Number"/>
-          <p:cNvSpPr txBox="1"/>
+          <p:cNvSpPr txBox="1">
+            <a:spLocks noGrp="1"/>
+          </p:cNvSpPr>
           <p:nvPr>
             <p:ph type="sldNum" sz="quarter" idx="2"/>
           </p:nvPr>
@@ -2587,8 +2665,10 @@
             </a:lvl1pPr>
           </a:lstStyle>
           <a:p>
-            <a:pPr/>
-            <a:fld id="{86CB4B4D-7CA3-9044-876B-883B54F8677D}" type="slidenum"/>
+            <a:fld id="{86CB4B4D-7CA3-9044-876B-883B54F8677D}" type="slidenum">
+              <a:t>‹#›</a:t>
+            </a:fld>
+            <a:endParaRPr/>
           </a:p>
         </p:txBody>
       </p:sp>
@@ -2596,18 +2676,18 @@
   </p:cSld>
   <p:clrMap bg1="lt1" tx1="dk1" bg2="lt2" tx2="dk2" accent1="accent1" accent2="accent2" accent3="accent3" accent4="accent4" accent5="accent5" accent6="accent6" hlink="hlink" folHlink="folHlink"/>
   <p:sldLayoutIdLst>
-    <p:sldLayoutId id="2147483649" r:id="rId2"/>
-    <p:sldLayoutId id="2147483650" r:id="rId3"/>
-    <p:sldLayoutId id="2147483651" r:id="rId4"/>
-    <p:sldLayoutId id="2147483652" r:id="rId5"/>
-    <p:sldLayoutId id="2147483653" r:id="rId6"/>
-    <p:sldLayoutId id="2147483654" r:id="rId7"/>
-    <p:sldLayoutId id="2147483655" r:id="rId8"/>
-    <p:sldLayoutId id="2147483656" r:id="rId9"/>
-    <p:sldLayoutId id="2147483657" r:id="rId10"/>
-    <p:sldLayoutId id="2147483658" r:id="rId11"/>
+    <p:sldLayoutId id="2147483649" r:id="rId1"/>
+    <p:sldLayoutId id="2147483650" r:id="rId2"/>
+    <p:sldLayoutId id="2147483651" r:id="rId3"/>
+    <p:sldLayoutId id="2147483652" r:id="rId4"/>
+    <p:sldLayoutId id="2147483653" r:id="rId5"/>
+    <p:sldLayoutId id="2147483654" r:id="rId6"/>
+    <p:sldLayoutId id="2147483655" r:id="rId7"/>
+    <p:sldLayoutId id="2147483656" r:id="rId8"/>
+    <p:sldLayoutId id="2147483657" r:id="rId9"/>
+    <p:sldLayoutId id="2147483658" r:id="rId10"/>
   </p:sldLayoutIdLst>
-  <p:transition xmlns:p14="http://schemas.microsoft.com/office/powerpoint/2010/main" spd="med" advClick="1"/>
+  <p:transition spd="med"/>
   <p:txStyles>
     <p:titleStyle>
       <a:lvl1pPr marL="0" marR="0" indent="0" algn="l" defTabSz="914400" rtl="0" latinLnBrk="0">
@@ -2625,7 +2705,7 @@
         <a:buFontTx/>
         <a:buNone/>
         <a:tabLst/>
-        <a:defRPr b="0" baseline="0" cap="none" i="0" spc="-49" strike="noStrike" sz="4700" u="none">
+        <a:defRPr sz="4700" b="0" i="0" u="none" strike="noStrike" cap="none" spc="-49" baseline="0">
           <a:solidFill>
             <a:srgbClr val="404040"/>
           </a:solidFill>
@@ -2651,7 +2731,7 @@
         <a:buFontTx/>
         <a:buNone/>
         <a:tabLst/>
-        <a:defRPr b="0" baseline="0" cap="none" i="0" spc="-49" strike="noStrike" sz="4700" u="none">
+        <a:defRPr sz="4700" b="0" i="0" u="none" strike="noStrike" cap="none" spc="-49" baseline="0">
           <a:solidFill>
             <a:srgbClr val="404040"/>
           </a:solidFill>
@@ -2677,7 +2757,7 @@
         <a:buFontTx/>
         <a:buNone/>
         <a:tabLst/>
-        <a:defRPr b="0" baseline="0" cap="none" i="0" spc="-49" strike="noStrike" sz="4700" u="none">
+        <a:defRPr sz="4700" b="0" i="0" u="none" strike="noStrike" cap="none" spc="-49" baseline="0">
           <a:solidFill>
             <a:srgbClr val="404040"/>
           </a:solidFill>
@@ -2703,7 +2783,7 @@
         <a:buFontTx/>
         <a:buNone/>
         <a:tabLst/>
-        <a:defRPr b="0" baseline="0" cap="none" i="0" spc="-49" strike="noStrike" sz="4700" u="none">
+        <a:defRPr sz="4700" b="0" i="0" u="none" strike="noStrike" cap="none" spc="-49" baseline="0">
           <a:solidFill>
             <a:srgbClr val="404040"/>
           </a:solidFill>
@@ -2729,7 +2809,7 @@
         <a:buFontTx/>
         <a:buNone/>
         <a:tabLst/>
-        <a:defRPr b="0" baseline="0" cap="none" i="0" spc="-49" strike="noStrike" sz="4700" u="none">
+        <a:defRPr sz="4700" b="0" i="0" u="none" strike="noStrike" cap="none" spc="-49" baseline="0">
           <a:solidFill>
             <a:srgbClr val="404040"/>
           </a:solidFill>
@@ -2755,7 +2835,7 @@
         <a:buFontTx/>
         <a:buNone/>
         <a:tabLst/>
-        <a:defRPr b="0" baseline="0" cap="none" i="0" spc="-49" strike="noStrike" sz="4700" u="none">
+        <a:defRPr sz="4700" b="0" i="0" u="none" strike="noStrike" cap="none" spc="-49" baseline="0">
           <a:solidFill>
             <a:srgbClr val="404040"/>
           </a:solidFill>
@@ -2781,7 +2861,7 @@
         <a:buFontTx/>
         <a:buNone/>
         <a:tabLst/>
-        <a:defRPr b="0" baseline="0" cap="none" i="0" spc="-49" strike="noStrike" sz="4700" u="none">
+        <a:defRPr sz="4700" b="0" i="0" u="none" strike="noStrike" cap="none" spc="-49" baseline="0">
           <a:solidFill>
             <a:srgbClr val="404040"/>
           </a:solidFill>
@@ -2807,7 +2887,7 @@
         <a:buFontTx/>
         <a:buNone/>
         <a:tabLst/>
-        <a:defRPr b="0" baseline="0" cap="none" i="0" spc="-49" strike="noStrike" sz="4700" u="none">
+        <a:defRPr sz="4700" b="0" i="0" u="none" strike="noStrike" cap="none" spc="-49" baseline="0">
           <a:solidFill>
             <a:srgbClr val="404040"/>
           </a:solidFill>
@@ -2833,7 +2913,7 @@
         <a:buFontTx/>
         <a:buNone/>
         <a:tabLst/>
-        <a:defRPr b="0" baseline="0" cap="none" i="0" spc="-49" strike="noStrike" sz="4700" u="none">
+        <a:defRPr sz="4700" b="0" i="0" u="none" strike="noStrike" cap="none" spc="-49" baseline="0">
           <a:solidFill>
             <a:srgbClr val="404040"/>
           </a:solidFill>
@@ -2863,7 +2943,7 @@
         <a:buFont typeface="Calibri"/>
         <a:buChar char=" "/>
         <a:tabLst/>
-        <a:defRPr b="0" baseline="0" cap="none" i="0" spc="0" strike="noStrike" sz="1900" u="none">
+        <a:defRPr sz="1900" b="0" i="0" u="none" strike="noStrike" cap="none" spc="0" baseline="0">
           <a:solidFill>
             <a:srgbClr val="404040"/>
           </a:solidFill>
@@ -2891,7 +2971,7 @@
         <a:buFont typeface="Calibri"/>
         <a:buChar char="◦"/>
         <a:tabLst/>
-        <a:defRPr b="0" baseline="0" cap="none" i="0" spc="0" strike="noStrike" sz="1900" u="none">
+        <a:defRPr sz="1900" b="0" i="0" u="none" strike="noStrike" cap="none" spc="0" baseline="0">
           <a:solidFill>
             <a:srgbClr val="404040"/>
           </a:solidFill>
@@ -2919,7 +2999,7 @@
         <a:buFont typeface="Calibri"/>
         <a:buChar char="◦"/>
         <a:tabLst/>
-        <a:defRPr b="0" baseline="0" cap="none" i="0" spc="0" strike="noStrike" sz="1900" u="none">
+        <a:defRPr sz="1900" b="0" i="0" u="none" strike="noStrike" cap="none" spc="0" baseline="0">
           <a:solidFill>
             <a:srgbClr val="404040"/>
           </a:solidFill>
@@ -2947,7 +3027,7 @@
         <a:buFont typeface="Calibri"/>
         <a:buChar char="◦"/>
         <a:tabLst/>
-        <a:defRPr b="0" baseline="0" cap="none" i="0" spc="0" strike="noStrike" sz="1900" u="none">
+        <a:defRPr sz="1900" b="0" i="0" u="none" strike="noStrike" cap="none" spc="0" baseline="0">
           <a:solidFill>
             <a:srgbClr val="404040"/>
           </a:solidFill>
@@ -2975,7 +3055,7 @@
         <a:buFont typeface="Calibri"/>
         <a:buChar char="◦"/>
         <a:tabLst/>
-        <a:defRPr b="0" baseline="0" cap="none" i="0" spc="0" strike="noStrike" sz="1900" u="none">
+        <a:defRPr sz="1900" b="0" i="0" u="none" strike="noStrike" cap="none" spc="0" baseline="0">
           <a:solidFill>
             <a:srgbClr val="404040"/>
           </a:solidFill>
@@ -3003,7 +3083,7 @@
         <a:buFont typeface="Calibri"/>
         <a:buChar char="◦"/>
         <a:tabLst/>
-        <a:defRPr b="0" baseline="0" cap="none" i="0" spc="0" strike="noStrike" sz="1900" u="none">
+        <a:defRPr sz="1900" b="0" i="0" u="none" strike="noStrike" cap="none" spc="0" baseline="0">
           <a:solidFill>
             <a:srgbClr val="404040"/>
           </a:solidFill>
@@ -3031,7 +3111,7 @@
         <a:buFont typeface="Calibri"/>
         <a:buChar char="◦"/>
         <a:tabLst/>
-        <a:defRPr b="0" baseline="0" cap="none" i="0" spc="0" strike="noStrike" sz="1900" u="none">
+        <a:defRPr sz="1900" b="0" i="0" u="none" strike="noStrike" cap="none" spc="0" baseline="0">
           <a:solidFill>
             <a:srgbClr val="404040"/>
           </a:solidFill>
@@ -3059,7 +3139,7 @@
         <a:buFont typeface="Calibri"/>
         <a:buChar char="◦"/>
         <a:tabLst/>
-        <a:defRPr b="0" baseline="0" cap="none" i="0" spc="0" strike="noStrike" sz="1900" u="none">
+        <a:defRPr sz="1900" b="0" i="0" u="none" strike="noStrike" cap="none" spc="0" baseline="0">
           <a:solidFill>
             <a:srgbClr val="404040"/>
           </a:solidFill>
@@ -3087,7 +3167,7 @@
         <a:buFont typeface="Calibri"/>
         <a:buChar char="◦"/>
         <a:tabLst/>
-        <a:defRPr b="0" baseline="0" cap="none" i="0" spc="0" strike="noStrike" sz="1900" u="none">
+        <a:defRPr sz="1900" b="0" i="0" u="none" strike="noStrike" cap="none" spc="0" baseline="0">
           <a:solidFill>
             <a:srgbClr val="404040"/>
           </a:solidFill>
@@ -3115,7 +3195,7 @@
         <a:buFontTx/>
         <a:buNone/>
         <a:tabLst/>
-        <a:defRPr b="0" baseline="0" cap="none" i="0" spc="0" strike="noStrike" sz="800" u="none">
+        <a:defRPr sz="800" b="0" i="0" u="none" strike="noStrike" cap="none" spc="0" baseline="0">
           <a:solidFill>
             <a:schemeClr val="tx1"/>
           </a:solidFill>
@@ -3141,7 +3221,7 @@
         <a:buFontTx/>
         <a:buNone/>
         <a:tabLst/>
-        <a:defRPr b="0" baseline="0" cap="none" i="0" spc="0" strike="noStrike" sz="800" u="none">
+        <a:defRPr sz="800" b="0" i="0" u="none" strike="noStrike" cap="none" spc="0" baseline="0">
           <a:solidFill>
             <a:schemeClr val="tx1"/>
           </a:solidFill>
@@ -3167,7 +3247,7 @@
         <a:buFontTx/>
         <a:buNone/>
         <a:tabLst/>
-        <a:defRPr b="0" baseline="0" cap="none" i="0" spc="0" strike="noStrike" sz="800" u="none">
+        <a:defRPr sz="800" b="0" i="0" u="none" strike="noStrike" cap="none" spc="0" baseline="0">
           <a:solidFill>
             <a:schemeClr val="tx1"/>
           </a:solidFill>
@@ -3193,7 +3273,7 @@
         <a:buFontTx/>
         <a:buNone/>
         <a:tabLst/>
-        <a:defRPr b="0" baseline="0" cap="none" i="0" spc="0" strike="noStrike" sz="800" u="none">
+        <a:defRPr sz="800" b="0" i="0" u="none" strike="noStrike" cap="none" spc="0" baseline="0">
           <a:solidFill>
             <a:schemeClr val="tx1"/>
           </a:solidFill>
@@ -3219,7 +3299,7 @@
         <a:buFontTx/>
         <a:buNone/>
         <a:tabLst/>
-        <a:defRPr b="0" baseline="0" cap="none" i="0" spc="0" strike="noStrike" sz="800" u="none">
+        <a:defRPr sz="800" b="0" i="0" u="none" strike="noStrike" cap="none" spc="0" baseline="0">
           <a:solidFill>
             <a:schemeClr val="tx1"/>
           </a:solidFill>
@@ -3245,7 +3325,7 @@
         <a:buFontTx/>
         <a:buNone/>
         <a:tabLst/>
-        <a:defRPr b="0" baseline="0" cap="none" i="0" spc="0" strike="noStrike" sz="800" u="none">
+        <a:defRPr sz="800" b="0" i="0" u="none" strike="noStrike" cap="none" spc="0" baseline="0">
           <a:solidFill>
             <a:schemeClr val="tx1"/>
           </a:solidFill>
@@ -3271,7 +3351,7 @@
         <a:buFontTx/>
         <a:buNone/>
         <a:tabLst/>
-        <a:defRPr b="0" baseline="0" cap="none" i="0" spc="0" strike="noStrike" sz="800" u="none">
+        <a:defRPr sz="800" b="0" i="0" u="none" strike="noStrike" cap="none" spc="0" baseline="0">
           <a:solidFill>
             <a:schemeClr val="tx1"/>
           </a:solidFill>
@@ -3297,7 +3377,7 @@
         <a:buFontTx/>
         <a:buNone/>
         <a:tabLst/>
-        <a:defRPr b="0" baseline="0" cap="none" i="0" spc="0" strike="noStrike" sz="800" u="none">
+        <a:defRPr sz="800" b="0" i="0" u="none" strike="noStrike" cap="none" spc="0" baseline="0">
           <a:solidFill>
             <a:schemeClr val="tx1"/>
           </a:solidFill>
@@ -3323,7 +3403,7 @@
         <a:buFontTx/>
         <a:buNone/>
         <a:tabLst/>
-        <a:defRPr b="0" baseline="0" cap="none" i="0" spc="0" strike="noStrike" sz="800" u="none">
+        <a:defRPr sz="800" b="0" i="0" u="none" strike="noStrike" cap="none" spc="0" baseline="0">
           <a:solidFill>
             <a:schemeClr val="tx1"/>
           </a:solidFill>
@@ -3340,7 +3420,7 @@
 </file>
 
 <file path=ppt/slides/slide1.xml><?xml version="1.0" encoding="utf-8"?>
-<p:sld xmlns:a="http://schemas.openxmlformats.org/drawingml/2006/main" xmlns:r="http://schemas.openxmlformats.org/officeDocument/2006/relationships" xmlns:p="http://schemas.openxmlformats.org/presentationml/2006/main" xmlns:m="http://schemas.openxmlformats.org/officeDocument/2006/math" xmlns:a14="http://schemas.microsoft.com/office/drawing/2010/main" showMasterSp="1" showMasterPhAnim="1">
+<p:sld xmlns:a="http://schemas.openxmlformats.org/drawingml/2006/main" xmlns:r="http://schemas.openxmlformats.org/officeDocument/2006/relationships" xmlns:p="http://schemas.openxmlformats.org/presentationml/2006/main">
   <p:cSld>
     <p:spTree>
       <p:nvGrpSpPr>
@@ -3388,6 +3468,7 @@
                 </a:solidFill>
               </a:defRPr>
             </a:pPr>
+            <a:endParaRPr/>
           </a:p>
         </p:txBody>
       </p:sp>
@@ -3425,13 +3506,16 @@
                 </a:solidFill>
               </a:defRPr>
             </a:pPr>
+            <a:endParaRPr/>
           </a:p>
         </p:txBody>
       </p:sp>
       <p:sp>
         <p:nvSpPr>
           <p:cNvPr id="118" name="Title 1"/>
-          <p:cNvSpPr txBox="1"/>
+          <p:cNvSpPr txBox="1">
+            <a:spLocks noGrp="1"/>
+          </p:cNvSpPr>
           <p:nvPr>
             <p:ph type="title"/>
           </p:nvPr>
@@ -3449,11 +3533,10 @@
           <a:bodyPr/>
           <a:lstStyle>
             <a:lvl1pPr>
-              <a:defRPr b="1" spc="-100" sz="2400"/>
+              <a:defRPr sz="2400" b="1" spc="-100"/>
             </a:lvl1pPr>
           </a:lstStyle>
           <a:p>
-            <a:pPr/>
             <a:r>
               <a:t>Mango python and theholyflask</a:t>
             </a:r>
@@ -3463,7 +3546,9 @@
       <p:sp>
         <p:nvSpPr>
           <p:cNvPr id="119" name="Subtitle 2"/>
-          <p:cNvSpPr txBox="1"/>
+          <p:cNvSpPr txBox="1">
+            <a:spLocks noGrp="1"/>
+          </p:cNvSpPr>
           <p:nvPr>
             <p:ph type="body" sz="quarter" idx="1"/>
           </p:nvPr>
@@ -3488,7 +3573,7 @@
               <a:spcBef>
                 <a:spcPts val="1100"/>
               </a:spcBef>
-              <a:defRPr spc="188" sz="1504"/>
+              <a:defRPr sz="1504" spc="188"/>
             </a:pPr>
             <a:r>
               <a:t>Jesse Perez, Yi Huang, Drew</a:t>
@@ -3502,7 +3587,7 @@
               <a:spcBef>
                 <a:spcPts val="1100"/>
               </a:spcBef>
-              <a:defRPr spc="188" sz="1504"/>
+              <a:defRPr sz="1504" spc="188"/>
             </a:pPr>
             <a:r>
               <a:t>Williams, Nashra Khan</a:t>
@@ -3534,7 +3619,7 @@
           <a:bodyPr lIns="45719" rIns="45719"/>
           <a:lstStyle/>
           <a:p>
-            <a:pPr/>
+            <a:endParaRPr/>
           </a:p>
         </p:txBody>
       </p:sp>
@@ -3572,6 +3657,7 @@
                 </a:solidFill>
               </a:defRPr>
             </a:pPr>
+            <a:endParaRPr/>
           </a:p>
         </p:txBody>
       </p:sp>
@@ -3594,7 +3680,7 @@
           </a:ln>
           <a:extLst>
             <a:ext uri="{C572A759-6A51-4108-AA02-DFA0A04FC94B}">
-              <ma14:wrappingTextBoxFlag xmlns:ma14="http://schemas.microsoft.com/office/mac/drawingml/2011/main" val="1"/>
+              <ma14:wrappingTextBoxFlag xmlns:ma14="http://schemas.microsoft.com/office/mac/drawingml/2011/main" xmlns:a14="http://schemas.microsoft.com/office/drawing/2010/main" xmlns:m="http://schemas.openxmlformats.org/officeDocument/2006/math" xmlns="" val="1"/>
             </a:ext>
           </a:extLst>
         </p:spPr>
@@ -3612,7 +3698,6 @@
             </a:lvl1pPr>
           </a:lstStyle>
           <a:p>
-            <a:pPr/>
             <a:r>
               <a:t>A Deep dive into the world of Finance.</a:t>
             </a:r>
@@ -3638,7 +3723,7 @@
           </a:ln>
           <a:extLst>
             <a:ext uri="{C572A759-6A51-4108-AA02-DFA0A04FC94B}">
-              <ma14:wrappingTextBoxFlag xmlns:ma14="http://schemas.microsoft.com/office/mac/drawingml/2011/main" val="1"/>
+              <ma14:wrappingTextBoxFlag xmlns:ma14="http://schemas.microsoft.com/office/mac/drawingml/2011/main" xmlns:a14="http://schemas.microsoft.com/office/drawing/2010/main" xmlns:m="http://schemas.openxmlformats.org/officeDocument/2006/math" xmlns="" val="1"/>
             </a:ext>
           </a:extLst>
         </p:spPr>
@@ -3656,7 +3741,6 @@
             </a:lvl1pPr>
           </a:lstStyle>
           <a:p>
-            <a:pPr/>
             <a:r>
               <a:t>Wall Street vs Cryptocurrency</a:t>
             </a:r>
@@ -3672,9 +3756,7 @@
           <p:nvPr/>
         </p:nvPicPr>
         <p:blipFill>
-          <a:blip r:embed="rId2">
-            <a:extLst/>
-          </a:blip>
+          <a:blip r:embed="rId2"/>
           <a:stretch>
             <a:fillRect/>
           </a:stretch>
@@ -3697,12 +3779,12 @@
   <p:clrMapOvr>
     <a:masterClrMapping/>
   </p:clrMapOvr>
-  <p:transition xmlns:p14="http://schemas.microsoft.com/office/powerpoint/2010/main" spd="med" advClick="1"/>
+  <p:transition spd="med"/>
 </p:sld>
 </file>
 
 <file path=ppt/slides/slide2.xml><?xml version="1.0" encoding="utf-8"?>
-<p:sld xmlns:a="http://schemas.openxmlformats.org/drawingml/2006/main" xmlns:r="http://schemas.openxmlformats.org/officeDocument/2006/relationships" xmlns:p="http://schemas.openxmlformats.org/presentationml/2006/main" xmlns:m="http://schemas.openxmlformats.org/officeDocument/2006/math" xmlns:a14="http://schemas.microsoft.com/office/drawing/2010/main" showMasterSp="1" showMasterPhAnim="1">
+<p:sld xmlns:a="http://schemas.openxmlformats.org/drawingml/2006/main" xmlns:r="http://schemas.openxmlformats.org/officeDocument/2006/relationships" xmlns:p="http://schemas.openxmlformats.org/presentationml/2006/main">
   <p:cSld>
     <p:spTree>
       <p:nvGrpSpPr>
@@ -3721,7 +3803,9 @@
       <p:sp>
         <p:nvSpPr>
           <p:cNvPr id="126" name="Title 1"/>
-          <p:cNvSpPr txBox="1"/>
+          <p:cNvSpPr txBox="1">
+            <a:spLocks noGrp="1"/>
+          </p:cNvSpPr>
           <p:nvPr>
             <p:ph type="title"/>
           </p:nvPr>
@@ -3739,7 +3823,6 @@
             </a:lvl1pPr>
           </a:lstStyle>
           <a:p>
-            <a:pPr/>
             <a:r>
               <a:t>Our Data</a:t>
             </a:r>
@@ -3749,7 +3832,9 @@
       <p:sp>
         <p:nvSpPr>
           <p:cNvPr id="127" name="Content Placeholder 2"/>
-          <p:cNvSpPr txBox="1"/>
+          <p:cNvSpPr txBox="1">
+            <a:spLocks noGrp="1"/>
+          </p:cNvSpPr>
           <p:nvPr>
             <p:ph type="body" idx="1"/>
           </p:nvPr>
@@ -3763,7 +3848,84 @@
           <a:bodyPr/>
           <a:lstStyle/>
           <a:p>
-            <a:pPr/>
+            <a:pPr>
+              <a:buFont typeface="Arial" panose="020B0604020202020204" pitchFamily="34" charset="0"/>
+              <a:buChar char="•"/>
+            </a:pPr>
+            <a:r>
+              <a:rPr lang="en-US" dirty="0"/>
+              <a:t>Stocks</a:t>
+            </a:r>
+          </a:p>
+          <a:p>
+            <a:pPr lvl="1">
+              <a:buFont typeface="Arial" panose="020B0604020202020204" pitchFamily="34" charset="0"/>
+              <a:buChar char="•"/>
+            </a:pPr>
+            <a:r>
+              <a:rPr lang="en-US" dirty="0"/>
+              <a:t>S&amp;P 500</a:t>
+            </a:r>
+          </a:p>
+          <a:p>
+            <a:pPr>
+              <a:buFont typeface="Arial" panose="020B0604020202020204" pitchFamily="34" charset="0"/>
+              <a:buChar char="•"/>
+            </a:pPr>
+            <a:r>
+              <a:rPr lang="en-US" dirty="0"/>
+              <a:t>Crypto</a:t>
+            </a:r>
+          </a:p>
+          <a:p>
+            <a:pPr lvl="1">
+              <a:buFont typeface="Arial" panose="020B0604020202020204" pitchFamily="34" charset="0"/>
+              <a:buChar char="•"/>
+            </a:pPr>
+            <a:r>
+              <a:rPr lang="en-US" dirty="0"/>
+              <a:t>Top 100 cryptos on Yahoo Finance</a:t>
+            </a:r>
+          </a:p>
+          <a:p>
+            <a:pPr>
+              <a:buFont typeface="Arial" panose="020B0604020202020204" pitchFamily="34" charset="0"/>
+              <a:buChar char="•"/>
+            </a:pPr>
+            <a:r>
+              <a:rPr lang="en-US" dirty="0"/>
+              <a:t>Data of Interest</a:t>
+            </a:r>
+          </a:p>
+          <a:p>
+            <a:pPr lvl="1">
+              <a:buFont typeface="Arial" panose="020B0604020202020204" pitchFamily="34" charset="0"/>
+              <a:buChar char="•"/>
+            </a:pPr>
+            <a:r>
+              <a:rPr lang="en-US" dirty="0"/>
+              <a:t>2 year span</a:t>
+            </a:r>
+          </a:p>
+          <a:p>
+            <a:pPr lvl="1">
+              <a:buFont typeface="Arial" panose="020B0604020202020204" pitchFamily="34" charset="0"/>
+              <a:buChar char="•"/>
+            </a:pPr>
+            <a:r>
+              <a:rPr lang="en-US" dirty="0"/>
+              <a:t>Closing Price</a:t>
+            </a:r>
+          </a:p>
+          <a:p>
+            <a:pPr lvl="1">
+              <a:buFont typeface="Arial" panose="020B0604020202020204" pitchFamily="34" charset="0"/>
+              <a:buChar char="•"/>
+            </a:pPr>
+            <a:r>
+              <a:rPr lang="en-US" dirty="0"/>
+              <a:t>Date</a:t>
+            </a:r>
           </a:p>
         </p:txBody>
       </p:sp>
@@ -3772,12 +3934,12 @@
   <p:clrMapOvr>
     <a:masterClrMapping/>
   </p:clrMapOvr>
-  <p:transition xmlns:p14="http://schemas.microsoft.com/office/powerpoint/2010/main" spd="med" advClick="1"/>
+  <p:transition spd="med"/>
 </p:sld>
 </file>
 
 <file path=ppt/slides/slide3.xml><?xml version="1.0" encoding="utf-8"?>
-<p:sld xmlns:a="http://schemas.openxmlformats.org/drawingml/2006/main" xmlns:r="http://schemas.openxmlformats.org/officeDocument/2006/relationships" xmlns:p="http://schemas.openxmlformats.org/presentationml/2006/main" xmlns:m="http://schemas.openxmlformats.org/officeDocument/2006/math" xmlns:a14="http://schemas.microsoft.com/office/drawing/2010/main" showMasterSp="1" showMasterPhAnim="1">
+<p:sld xmlns:a="http://schemas.openxmlformats.org/drawingml/2006/main" xmlns:r="http://schemas.openxmlformats.org/officeDocument/2006/relationships" xmlns:p="http://schemas.openxmlformats.org/presentationml/2006/main">
   <p:cSld>
     <p:spTree>
       <p:nvGrpSpPr>
@@ -3796,7 +3958,9 @@
       <p:sp>
         <p:nvSpPr>
           <p:cNvPr id="129" name="Title 1"/>
-          <p:cNvSpPr txBox="1"/>
+          <p:cNvSpPr txBox="1">
+            <a:spLocks noGrp="1"/>
+          </p:cNvSpPr>
           <p:nvPr>
             <p:ph type="title"/>
           </p:nvPr>
@@ -3814,7 +3978,6 @@
             </a:lvl1pPr>
           </a:lstStyle>
           <a:p>
-            <a:pPr/>
             <a:r>
               <a:t>Technical Developments</a:t>
             </a:r>
@@ -3824,7 +3987,9 @@
       <p:sp>
         <p:nvSpPr>
           <p:cNvPr id="130" name="Content Placeholder 2"/>
-          <p:cNvSpPr txBox="1"/>
+          <p:cNvSpPr txBox="1">
+            <a:spLocks noGrp="1"/>
+          </p:cNvSpPr>
           <p:nvPr>
             <p:ph type="body" idx="1"/>
           </p:nvPr>
@@ -3838,7 +4003,7 @@
           <a:bodyPr/>
           <a:lstStyle/>
           <a:p>
-            <a:pPr lvl="1" marL="292608" indent="-91440">
+            <a:pPr marL="292608" lvl="1" indent="-91440">
               <a:buChar char=" "/>
               <a:defRPr b="1"/>
             </a:pPr>
@@ -3847,7 +4012,7 @@
             </a:r>
           </a:p>
           <a:p>
-            <a:pPr lvl="1" marL="292608" indent="-91440">
+            <a:pPr marL="292608" lvl="1" indent="-91440">
               <a:buChar char=" "/>
             </a:pPr>
             <a:r>
@@ -3855,7 +4020,7 @@
             </a:r>
           </a:p>
           <a:p>
-            <a:pPr lvl="1" marL="292608" indent="-91440">
+            <a:pPr marL="292608" lvl="1" indent="-91440">
               <a:buChar char=" "/>
             </a:pPr>
             <a:r>
@@ -3863,7 +4028,7 @@
             </a:r>
           </a:p>
           <a:p>
-            <a:pPr lvl="1" marL="292608" indent="-91440">
+            <a:pPr marL="292608" lvl="1" indent="-91440">
               <a:buChar char=" "/>
             </a:pPr>
             <a:r>
@@ -3875,7 +4040,7 @@
             </a:r>
           </a:p>
           <a:p>
-            <a:pPr lvl="1" marL="292608" indent="-91440">
+            <a:pPr marL="292608" lvl="1" indent="-91440">
               <a:buChar char=" "/>
             </a:pPr>
             <a:r>
@@ -3883,7 +4048,7 @@
             </a:r>
           </a:p>
           <a:p>
-            <a:pPr lvl="1" marL="292608" indent="-91440">
+            <a:pPr marL="292608" lvl="1" indent="-91440">
               <a:buChar char=" "/>
             </a:pPr>
             <a:r>
@@ -3897,12 +4062,12 @@
   <p:clrMapOvr>
     <a:masterClrMapping/>
   </p:clrMapOvr>
-  <p:transition xmlns:p14="http://schemas.microsoft.com/office/powerpoint/2010/main" spd="med" advClick="1"/>
+  <p:transition spd="med"/>
 </p:sld>
 </file>
 
 <file path=ppt/theme/theme1.xml><?xml version="1.0" encoding="utf-8"?>
-<a:theme xmlns:a="http://schemas.openxmlformats.org/drawingml/2006/main" xmlns:r="http://schemas.openxmlformats.org/officeDocument/2006/relationships" name="1_RetrospectVTI">
+<a:theme xmlns:a="http://schemas.openxmlformats.org/drawingml/2006/main" name="1_RetrospectVTI">
   <a:themeElements>
     <a:clrScheme name="1_RetrospectVTI">
       <a:dk1>
@@ -4028,7 +4193,7 @@
       <a:effectStyleLst>
         <a:effectStyle>
           <a:effectLst>
-            <a:outerShdw sx="100000" sy="100000" kx="0" ky="0" algn="b" rotWithShape="0" blurRad="38100" dist="25400" dir="2700000">
+            <a:outerShdw blurRad="38100" dist="25400" dir="2700000" rotWithShape="0">
               <a:srgbClr val="000000">
                 <a:alpha val="60000"/>
               </a:srgbClr>
@@ -4037,7 +4202,7 @@
         </a:effectStyle>
         <a:effectStyle>
           <a:effectLst>
-            <a:outerShdw sx="100000" sy="100000" kx="0" ky="0" algn="b" rotWithShape="0" blurRad="38100" dist="25400" dir="2700000">
+            <a:outerShdw blurRad="38100" dist="25400" dir="2700000" rotWithShape="0">
               <a:srgbClr val="000000">
                 <a:alpha val="60000"/>
               </a:srgbClr>
@@ -4114,7 +4279,7 @@
           <a:round/>
         </a:ln>
         <a:effectLst>
-          <a:outerShdw sx="100000" sy="100000" kx="0" ky="0" algn="b" rotWithShape="0" blurRad="38100" dist="25400" dir="2700000">
+          <a:outerShdw blurRad="38100" dist="25400" dir="2700000" rotWithShape="0">
             <a:srgbClr val="000000">
               <a:alpha val="60000"/>
             </a:srgbClr>
@@ -4122,7 +4287,7 @@
         </a:effectLst>
         <a:sp3d/>
       </a:spPr>
-      <a:bodyPr rot="0" spcFirstLastPara="1" vertOverflow="overflow" horzOverflow="overflow" vert="horz" wrap="square" lIns="45719" tIns="45719" rIns="45719" bIns="45719" numCol="1" spcCol="38100" rtlCol="0" anchor="ctr" upright="0">
+      <a:bodyPr rot="0" spcFirstLastPara="1" vertOverflow="overflow" horzOverflow="overflow" vert="horz" wrap="square" lIns="45719" tIns="45719" rIns="45719" bIns="45719" numCol="1" spcCol="38100" rtlCol="0" anchor="ctr">
         <a:spAutoFit/>
       </a:bodyPr>
       <a:lstStyle>
@@ -4141,7 +4306,7 @@
           <a:buFontTx/>
           <a:buNone/>
           <a:tabLst/>
-          <a:defRPr b="0" baseline="0" cap="none" i="0" spc="0" strike="noStrike" sz="1800" u="none" kumimoji="0" normalizeH="0">
+          <a:defRPr kumimoji="0" sz="1800" b="0" i="0" u="none" strike="noStrike" cap="none" spc="0" normalizeH="0" baseline="0">
             <a:ln>
               <a:noFill/>
             </a:ln>
@@ -4171,7 +4336,7 @@
           <a:buFontTx/>
           <a:buNone/>
           <a:tabLst/>
-          <a:defRPr b="0" baseline="0" cap="none" i="0" spc="0" strike="noStrike" sz="1800" u="none" kumimoji="0" normalizeH="0">
+          <a:defRPr kumimoji="0" sz="1800" b="0" i="0" u="none" strike="noStrike" cap="none" spc="0" normalizeH="0" baseline="0">
             <a:ln>
               <a:noFill/>
             </a:ln>
@@ -4197,7 +4362,7 @@
           <a:buFontTx/>
           <a:buNone/>
           <a:tabLst/>
-          <a:defRPr b="0" baseline="0" cap="none" i="0" spc="0" strike="noStrike" sz="1800" u="none" kumimoji="0" normalizeH="0">
+          <a:defRPr kumimoji="0" sz="1800" b="0" i="0" u="none" strike="noStrike" cap="none" spc="0" normalizeH="0" baseline="0">
             <a:ln>
               <a:noFill/>
             </a:ln>
@@ -4223,7 +4388,7 @@
           <a:buFontTx/>
           <a:buNone/>
           <a:tabLst/>
-          <a:defRPr b="0" baseline="0" cap="none" i="0" spc="0" strike="noStrike" sz="1800" u="none" kumimoji="0" normalizeH="0">
+          <a:defRPr kumimoji="0" sz="1800" b="0" i="0" u="none" strike="noStrike" cap="none" spc="0" normalizeH="0" baseline="0">
             <a:ln>
               <a:noFill/>
             </a:ln>
@@ -4249,7 +4414,7 @@
           <a:buFontTx/>
           <a:buNone/>
           <a:tabLst/>
-          <a:defRPr b="0" baseline="0" cap="none" i="0" spc="0" strike="noStrike" sz="1800" u="none" kumimoji="0" normalizeH="0">
+          <a:defRPr kumimoji="0" sz="1800" b="0" i="0" u="none" strike="noStrike" cap="none" spc="0" normalizeH="0" baseline="0">
             <a:ln>
               <a:noFill/>
             </a:ln>
@@ -4275,7 +4440,7 @@
           <a:buFontTx/>
           <a:buNone/>
           <a:tabLst/>
-          <a:defRPr b="0" baseline="0" cap="none" i="0" spc="0" strike="noStrike" sz="1800" u="none" kumimoji="0" normalizeH="0">
+          <a:defRPr kumimoji="0" sz="1800" b="0" i="0" u="none" strike="noStrike" cap="none" spc="0" normalizeH="0" baseline="0">
             <a:ln>
               <a:noFill/>
             </a:ln>
@@ -4301,7 +4466,7 @@
           <a:buFontTx/>
           <a:buNone/>
           <a:tabLst/>
-          <a:defRPr b="0" baseline="0" cap="none" i="0" spc="0" strike="noStrike" sz="1800" u="none" kumimoji="0" normalizeH="0">
+          <a:defRPr kumimoji="0" sz="1800" b="0" i="0" u="none" strike="noStrike" cap="none" spc="0" normalizeH="0" baseline="0">
             <a:ln>
               <a:noFill/>
             </a:ln>
@@ -4327,7 +4492,7 @@
           <a:buFontTx/>
           <a:buNone/>
           <a:tabLst/>
-          <a:defRPr b="0" baseline="0" cap="none" i="0" spc="0" strike="noStrike" sz="1800" u="none" kumimoji="0" normalizeH="0">
+          <a:defRPr kumimoji="0" sz="1800" b="0" i="0" u="none" strike="noStrike" cap="none" spc="0" normalizeH="0" baseline="0">
             <a:ln>
               <a:noFill/>
             </a:ln>
@@ -4353,7 +4518,7 @@
           <a:buFontTx/>
           <a:buNone/>
           <a:tabLst/>
-          <a:defRPr b="0" baseline="0" cap="none" i="0" spc="0" strike="noStrike" sz="1800" u="none" kumimoji="0" normalizeH="0">
+          <a:defRPr kumimoji="0" sz="1800" b="0" i="0" u="none" strike="noStrike" cap="none" spc="0" normalizeH="0" baseline="0">
             <a:ln>
               <a:noFill/>
             </a:ln>
@@ -4379,7 +4544,7 @@
           <a:buFontTx/>
           <a:buNone/>
           <a:tabLst/>
-          <a:defRPr b="0" baseline="0" cap="none" i="0" spc="0" strike="noStrike" sz="1800" u="none" kumimoji="0" normalizeH="0">
+          <a:defRPr kumimoji="0" sz="1800" b="0" i="0" u="none" strike="noStrike" cap="none" spc="0" normalizeH="0" baseline="0">
             <a:ln>
               <a:noFill/>
             </a:ln>
@@ -4392,9 +4557,15 @@
         </a:lvl9pPr>
       </a:lstStyle>
       <a:style>
-        <a:lnRef idx="0"/>
-        <a:fillRef idx="0"/>
-        <a:effectRef idx="0"/>
+        <a:lnRef idx="0">
+          <a:scrgbClr r="0" g="0" b="0"/>
+        </a:lnRef>
+        <a:fillRef idx="0">
+          <a:scrgbClr r="0" g="0" b="0"/>
+        </a:fillRef>
+        <a:effectRef idx="0">
+          <a:scrgbClr r="0" g="0" b="0"/>
+        </a:effectRef>
         <a:fontRef idx="none"/>
       </a:style>
     </a:spDef>
@@ -4411,7 +4582,7 @@
         <a:effectLst/>
         <a:sp3d/>
       </a:spPr>
-      <a:bodyPr rot="0" spcFirstLastPara="1" vertOverflow="overflow" horzOverflow="overflow" vert="horz" wrap="square" lIns="91439" tIns="45719" rIns="91439" bIns="45719" numCol="1" spcCol="38100" rtlCol="0" anchor="t" upright="0">
+      <a:bodyPr rot="0" spcFirstLastPara="1" vertOverflow="overflow" horzOverflow="overflow" vert="horz" wrap="square" lIns="91439" tIns="45719" rIns="91439" bIns="45719" numCol="1" spcCol="38100" rtlCol="0" anchor="t">
         <a:noAutofit/>
       </a:bodyPr>
       <a:lstStyle>
@@ -4430,7 +4601,7 @@
           <a:buFontTx/>
           <a:buNone/>
           <a:tabLst/>
-          <a:defRPr b="0" baseline="0" cap="none" i="0" spc="0" strike="noStrike" sz="1800" u="none" kumimoji="0" normalizeH="0">
+          <a:defRPr kumimoji="0" sz="1800" b="0" i="0" u="none" strike="noStrike" cap="none" spc="0" normalizeH="0" baseline="0">
             <a:ln>
               <a:noFill/>
             </a:ln>
@@ -4456,7 +4627,7 @@
           <a:buFontTx/>
           <a:buNone/>
           <a:tabLst/>
-          <a:defRPr b="0" baseline="0" cap="none" i="0" spc="0" strike="noStrike" sz="1800" u="none" kumimoji="0" normalizeH="0">
+          <a:defRPr kumimoji="0" sz="1800" b="0" i="0" u="none" strike="noStrike" cap="none" spc="0" normalizeH="0" baseline="0">
             <a:ln>
               <a:noFill/>
             </a:ln>
@@ -4482,7 +4653,7 @@
           <a:buFontTx/>
           <a:buNone/>
           <a:tabLst/>
-          <a:defRPr b="0" baseline="0" cap="none" i="0" spc="0" strike="noStrike" sz="1800" u="none" kumimoji="0" normalizeH="0">
+          <a:defRPr kumimoji="0" sz="1800" b="0" i="0" u="none" strike="noStrike" cap="none" spc="0" normalizeH="0" baseline="0">
             <a:ln>
               <a:noFill/>
             </a:ln>
@@ -4508,7 +4679,7 @@
           <a:buFontTx/>
           <a:buNone/>
           <a:tabLst/>
-          <a:defRPr b="0" baseline="0" cap="none" i="0" spc="0" strike="noStrike" sz="1800" u="none" kumimoji="0" normalizeH="0">
+          <a:defRPr kumimoji="0" sz="1800" b="0" i="0" u="none" strike="noStrike" cap="none" spc="0" normalizeH="0" baseline="0">
             <a:ln>
               <a:noFill/>
             </a:ln>
@@ -4534,7 +4705,7 @@
           <a:buFontTx/>
           <a:buNone/>
           <a:tabLst/>
-          <a:defRPr b="0" baseline="0" cap="none" i="0" spc="0" strike="noStrike" sz="1800" u="none" kumimoji="0" normalizeH="0">
+          <a:defRPr kumimoji="0" sz="1800" b="0" i="0" u="none" strike="noStrike" cap="none" spc="0" normalizeH="0" baseline="0">
             <a:ln>
               <a:noFill/>
             </a:ln>
@@ -4560,7 +4731,7 @@
           <a:buFontTx/>
           <a:buNone/>
           <a:tabLst/>
-          <a:defRPr b="0" baseline="0" cap="none" i="0" spc="0" strike="noStrike" sz="1800" u="none" kumimoji="0" normalizeH="0">
+          <a:defRPr kumimoji="0" sz="1800" b="0" i="0" u="none" strike="noStrike" cap="none" spc="0" normalizeH="0" baseline="0">
             <a:ln>
               <a:noFill/>
             </a:ln>
@@ -4586,7 +4757,7 @@
           <a:buFontTx/>
           <a:buNone/>
           <a:tabLst/>
-          <a:defRPr b="0" baseline="0" cap="none" i="0" spc="0" strike="noStrike" sz="1800" u="none" kumimoji="0" normalizeH="0">
+          <a:defRPr kumimoji="0" sz="1800" b="0" i="0" u="none" strike="noStrike" cap="none" spc="0" normalizeH="0" baseline="0">
             <a:ln>
               <a:noFill/>
             </a:ln>
@@ -4612,7 +4783,7 @@
           <a:buFontTx/>
           <a:buNone/>
           <a:tabLst/>
-          <a:defRPr b="0" baseline="0" cap="none" i="0" spc="0" strike="noStrike" sz="1800" u="none" kumimoji="0" normalizeH="0">
+          <a:defRPr kumimoji="0" sz="1800" b="0" i="0" u="none" strike="noStrike" cap="none" spc="0" normalizeH="0" baseline="0">
             <a:ln>
               <a:noFill/>
             </a:ln>
@@ -4638,7 +4809,7 @@
           <a:buFontTx/>
           <a:buNone/>
           <a:tabLst/>
-          <a:defRPr b="0" baseline="0" cap="none" i="0" spc="0" strike="noStrike" sz="1800" u="none" kumimoji="0" normalizeH="0">
+          <a:defRPr kumimoji="0" sz="1800" b="0" i="0" u="none" strike="noStrike" cap="none" spc="0" normalizeH="0" baseline="0">
             <a:ln>
               <a:noFill/>
             </a:ln>
@@ -4664,7 +4835,7 @@
           <a:buFontTx/>
           <a:buNone/>
           <a:tabLst/>
-          <a:defRPr b="0" baseline="0" cap="none" i="0" spc="0" strike="noStrike" sz="1800" u="none" kumimoji="0" normalizeH="0">
+          <a:defRPr kumimoji="0" sz="1800" b="0" i="0" u="none" strike="noStrike" cap="none" spc="0" normalizeH="0" baseline="0">
             <a:ln>
               <a:noFill/>
             </a:ln>
@@ -4677,9 +4848,15 @@
         </a:lvl9pPr>
       </a:lstStyle>
       <a:style>
-        <a:lnRef idx="0"/>
-        <a:fillRef idx="0"/>
-        <a:effectRef idx="0"/>
+        <a:lnRef idx="0">
+          <a:scrgbClr r="0" g="0" b="0"/>
+        </a:lnRef>
+        <a:fillRef idx="0">
+          <a:scrgbClr r="0" g="0" b="0"/>
+        </a:fillRef>
+        <a:effectRef idx="0">
+          <a:scrgbClr r="0" g="0" b="0"/>
+        </a:effectRef>
         <a:fontRef idx="none"/>
       </a:style>
     </a:lnDef>
@@ -4693,7 +4870,7 @@
         <a:effectLst/>
         <a:sp3d/>
       </a:spPr>
-      <a:bodyPr rot="0" spcFirstLastPara="1" vertOverflow="overflow" horzOverflow="overflow" vert="horz" wrap="square" lIns="45719" tIns="45719" rIns="45719" bIns="45719" numCol="1" spcCol="38100" rtlCol="0" anchor="t" upright="0">
+      <a:bodyPr rot="0" spcFirstLastPara="1" vertOverflow="overflow" horzOverflow="overflow" vert="horz" wrap="square" lIns="45719" tIns="45719" rIns="45719" bIns="45719" numCol="1" spcCol="38100" rtlCol="0" anchor="t">
         <a:spAutoFit/>
       </a:bodyPr>
       <a:lstStyle>
@@ -4712,7 +4889,7 @@
           <a:buFontTx/>
           <a:buNone/>
           <a:tabLst/>
-          <a:defRPr b="0" baseline="0" cap="none" i="0" spc="0" strike="noStrike" sz="1800" u="none" kumimoji="0" normalizeH="0">
+          <a:defRPr kumimoji="0" sz="1800" b="0" i="0" u="none" strike="noStrike" cap="none" spc="0" normalizeH="0" baseline="0">
             <a:ln>
               <a:noFill/>
             </a:ln>
@@ -4742,7 +4919,7 @@
           <a:buFontTx/>
           <a:buNone/>
           <a:tabLst/>
-          <a:defRPr b="0" baseline="0" cap="none" i="0" spc="0" strike="noStrike" sz="1800" u="none" kumimoji="0" normalizeH="0">
+          <a:defRPr kumimoji="0" sz="1800" b="0" i="0" u="none" strike="noStrike" cap="none" spc="0" normalizeH="0" baseline="0">
             <a:ln>
               <a:noFill/>
             </a:ln>
@@ -4768,7 +4945,7 @@
           <a:buFontTx/>
           <a:buNone/>
           <a:tabLst/>
-          <a:defRPr b="0" baseline="0" cap="none" i="0" spc="0" strike="noStrike" sz="1800" u="none" kumimoji="0" normalizeH="0">
+          <a:defRPr kumimoji="0" sz="1800" b="0" i="0" u="none" strike="noStrike" cap="none" spc="0" normalizeH="0" baseline="0">
             <a:ln>
               <a:noFill/>
             </a:ln>
@@ -4794,7 +4971,7 @@
           <a:buFontTx/>
           <a:buNone/>
           <a:tabLst/>
-          <a:defRPr b="0" baseline="0" cap="none" i="0" spc="0" strike="noStrike" sz="1800" u="none" kumimoji="0" normalizeH="0">
+          <a:defRPr kumimoji="0" sz="1800" b="0" i="0" u="none" strike="noStrike" cap="none" spc="0" normalizeH="0" baseline="0">
             <a:ln>
               <a:noFill/>
             </a:ln>
@@ -4820,7 +4997,7 @@
           <a:buFontTx/>
           <a:buNone/>
           <a:tabLst/>
-          <a:defRPr b="0" baseline="0" cap="none" i="0" spc="0" strike="noStrike" sz="1800" u="none" kumimoji="0" normalizeH="0">
+          <a:defRPr kumimoji="0" sz="1800" b="0" i="0" u="none" strike="noStrike" cap="none" spc="0" normalizeH="0" baseline="0">
             <a:ln>
               <a:noFill/>
             </a:ln>
@@ -4846,7 +5023,7 @@
           <a:buFontTx/>
           <a:buNone/>
           <a:tabLst/>
-          <a:defRPr b="0" baseline="0" cap="none" i="0" spc="0" strike="noStrike" sz="1800" u="none" kumimoji="0" normalizeH="0">
+          <a:defRPr kumimoji="0" sz="1800" b="0" i="0" u="none" strike="noStrike" cap="none" spc="0" normalizeH="0" baseline="0">
             <a:ln>
               <a:noFill/>
             </a:ln>
@@ -4872,7 +5049,7 @@
           <a:buFontTx/>
           <a:buNone/>
           <a:tabLst/>
-          <a:defRPr b="0" baseline="0" cap="none" i="0" spc="0" strike="noStrike" sz="1800" u="none" kumimoji="0" normalizeH="0">
+          <a:defRPr kumimoji="0" sz="1800" b="0" i="0" u="none" strike="noStrike" cap="none" spc="0" normalizeH="0" baseline="0">
             <a:ln>
               <a:noFill/>
             </a:ln>
@@ -4898,7 +5075,7 @@
           <a:buFontTx/>
           <a:buNone/>
           <a:tabLst/>
-          <a:defRPr b="0" baseline="0" cap="none" i="0" spc="0" strike="noStrike" sz="1800" u="none" kumimoji="0" normalizeH="0">
+          <a:defRPr kumimoji="0" sz="1800" b="0" i="0" u="none" strike="noStrike" cap="none" spc="0" normalizeH="0" baseline="0">
             <a:ln>
               <a:noFill/>
             </a:ln>
@@ -4924,7 +5101,7 @@
           <a:buFontTx/>
           <a:buNone/>
           <a:tabLst/>
-          <a:defRPr b="0" baseline="0" cap="none" i="0" spc="0" strike="noStrike" sz="1800" u="none" kumimoji="0" normalizeH="0">
+          <a:defRPr kumimoji="0" sz="1800" b="0" i="0" u="none" strike="noStrike" cap="none" spc="0" normalizeH="0" baseline="0">
             <a:ln>
               <a:noFill/>
             </a:ln>
@@ -4950,7 +5127,7 @@
           <a:buFontTx/>
           <a:buNone/>
           <a:tabLst/>
-          <a:defRPr b="0" baseline="0" cap="none" i="0" spc="0" strike="noStrike" sz="1800" u="none" kumimoji="0" normalizeH="0">
+          <a:defRPr kumimoji="0" sz="1800" b="0" i="0" u="none" strike="noStrike" cap="none" spc="0" normalizeH="0" baseline="0">
             <a:ln>
               <a:noFill/>
             </a:ln>
@@ -4963,18 +5140,25 @@
         </a:lvl9pPr>
       </a:lstStyle>
       <a:style>
-        <a:lnRef idx="0"/>
-        <a:fillRef idx="0"/>
-        <a:effectRef idx="0"/>
+        <a:lnRef idx="0">
+          <a:scrgbClr r="0" g="0" b="0"/>
+        </a:lnRef>
+        <a:fillRef idx="0">
+          <a:scrgbClr r="0" g="0" b="0"/>
+        </a:fillRef>
+        <a:effectRef idx="0">
+          <a:scrgbClr r="0" g="0" b="0"/>
+        </a:effectRef>
         <a:fontRef idx="none"/>
       </a:style>
     </a:txDef>
   </a:objectDefaults>
+  <a:extraClrSchemeLst/>
 </a:theme>
 </file>
 
 <file path=ppt/theme/theme2.xml><?xml version="1.0" encoding="utf-8"?>
-<a:theme xmlns:a="http://schemas.openxmlformats.org/drawingml/2006/main" xmlns:r="http://schemas.openxmlformats.org/officeDocument/2006/relationships" name="1_RetrospectVTI">
+<a:theme xmlns:a="http://schemas.openxmlformats.org/drawingml/2006/main" name="1_RetrospectVTI">
   <a:themeElements>
     <a:clrScheme name="1_RetrospectVTI">
       <a:dk1>
@@ -5100,7 +5284,7 @@
       <a:effectStyleLst>
         <a:effectStyle>
           <a:effectLst>
-            <a:outerShdw sx="100000" sy="100000" kx="0" ky="0" algn="b" rotWithShape="0" blurRad="38100" dist="25400" dir="2700000">
+            <a:outerShdw blurRad="38100" dist="25400" dir="2700000" rotWithShape="0">
               <a:srgbClr val="000000">
                 <a:alpha val="60000"/>
               </a:srgbClr>
@@ -5109,7 +5293,7 @@
         </a:effectStyle>
         <a:effectStyle>
           <a:effectLst>
-            <a:outerShdw sx="100000" sy="100000" kx="0" ky="0" algn="b" rotWithShape="0" blurRad="38100" dist="25400" dir="2700000">
+            <a:outerShdw blurRad="38100" dist="25400" dir="2700000" rotWithShape="0">
               <a:srgbClr val="000000">
                 <a:alpha val="60000"/>
               </a:srgbClr>
@@ -5186,7 +5370,7 @@
           <a:round/>
         </a:ln>
         <a:effectLst>
-          <a:outerShdw sx="100000" sy="100000" kx="0" ky="0" algn="b" rotWithShape="0" blurRad="38100" dist="25400" dir="2700000">
+          <a:outerShdw blurRad="38100" dist="25400" dir="2700000" rotWithShape="0">
             <a:srgbClr val="000000">
               <a:alpha val="60000"/>
             </a:srgbClr>
@@ -5194,7 +5378,7 @@
         </a:effectLst>
         <a:sp3d/>
       </a:spPr>
-      <a:bodyPr rot="0" spcFirstLastPara="1" vertOverflow="overflow" horzOverflow="overflow" vert="horz" wrap="square" lIns="45719" tIns="45719" rIns="45719" bIns="45719" numCol="1" spcCol="38100" rtlCol="0" anchor="ctr" upright="0">
+      <a:bodyPr rot="0" spcFirstLastPara="1" vertOverflow="overflow" horzOverflow="overflow" vert="horz" wrap="square" lIns="45719" tIns="45719" rIns="45719" bIns="45719" numCol="1" spcCol="38100" rtlCol="0" anchor="ctr">
         <a:spAutoFit/>
       </a:bodyPr>
       <a:lstStyle>
@@ -5213,7 +5397,7 @@
           <a:buFontTx/>
           <a:buNone/>
           <a:tabLst/>
-          <a:defRPr b="0" baseline="0" cap="none" i="0" spc="0" strike="noStrike" sz="1800" u="none" kumimoji="0" normalizeH="0">
+          <a:defRPr kumimoji="0" sz="1800" b="0" i="0" u="none" strike="noStrike" cap="none" spc="0" normalizeH="0" baseline="0">
             <a:ln>
               <a:noFill/>
             </a:ln>
@@ -5243,7 +5427,7 @@
           <a:buFontTx/>
           <a:buNone/>
           <a:tabLst/>
-          <a:defRPr b="0" baseline="0" cap="none" i="0" spc="0" strike="noStrike" sz="1800" u="none" kumimoji="0" normalizeH="0">
+          <a:defRPr kumimoji="0" sz="1800" b="0" i="0" u="none" strike="noStrike" cap="none" spc="0" normalizeH="0" baseline="0">
             <a:ln>
               <a:noFill/>
             </a:ln>
@@ -5269,7 +5453,7 @@
           <a:buFontTx/>
           <a:buNone/>
           <a:tabLst/>
-          <a:defRPr b="0" baseline="0" cap="none" i="0" spc="0" strike="noStrike" sz="1800" u="none" kumimoji="0" normalizeH="0">
+          <a:defRPr kumimoji="0" sz="1800" b="0" i="0" u="none" strike="noStrike" cap="none" spc="0" normalizeH="0" baseline="0">
             <a:ln>
               <a:noFill/>
             </a:ln>
@@ -5295,7 +5479,7 @@
           <a:buFontTx/>
           <a:buNone/>
           <a:tabLst/>
-          <a:defRPr b="0" baseline="0" cap="none" i="0" spc="0" strike="noStrike" sz="1800" u="none" kumimoji="0" normalizeH="0">
+          <a:defRPr kumimoji="0" sz="1800" b="0" i="0" u="none" strike="noStrike" cap="none" spc="0" normalizeH="0" baseline="0">
             <a:ln>
               <a:noFill/>
             </a:ln>
@@ -5321,7 +5505,7 @@
           <a:buFontTx/>
           <a:buNone/>
           <a:tabLst/>
-          <a:defRPr b="0" baseline="0" cap="none" i="0" spc="0" strike="noStrike" sz="1800" u="none" kumimoji="0" normalizeH="0">
+          <a:defRPr kumimoji="0" sz="1800" b="0" i="0" u="none" strike="noStrike" cap="none" spc="0" normalizeH="0" baseline="0">
             <a:ln>
               <a:noFill/>
             </a:ln>
@@ -5347,7 +5531,7 @@
           <a:buFontTx/>
           <a:buNone/>
           <a:tabLst/>
-          <a:defRPr b="0" baseline="0" cap="none" i="0" spc="0" strike="noStrike" sz="1800" u="none" kumimoji="0" normalizeH="0">
+          <a:defRPr kumimoji="0" sz="1800" b="0" i="0" u="none" strike="noStrike" cap="none" spc="0" normalizeH="0" baseline="0">
             <a:ln>
               <a:noFill/>
             </a:ln>
@@ -5373,7 +5557,7 @@
           <a:buFontTx/>
           <a:buNone/>
           <a:tabLst/>
-          <a:defRPr b="0" baseline="0" cap="none" i="0" spc="0" strike="noStrike" sz="1800" u="none" kumimoji="0" normalizeH="0">
+          <a:defRPr kumimoji="0" sz="1800" b="0" i="0" u="none" strike="noStrike" cap="none" spc="0" normalizeH="0" baseline="0">
             <a:ln>
               <a:noFill/>
             </a:ln>
@@ -5399,7 +5583,7 @@
           <a:buFontTx/>
           <a:buNone/>
           <a:tabLst/>
-          <a:defRPr b="0" baseline="0" cap="none" i="0" spc="0" strike="noStrike" sz="1800" u="none" kumimoji="0" normalizeH="0">
+          <a:defRPr kumimoji="0" sz="1800" b="0" i="0" u="none" strike="noStrike" cap="none" spc="0" normalizeH="0" baseline="0">
             <a:ln>
               <a:noFill/>
             </a:ln>
@@ -5425,7 +5609,7 @@
           <a:buFontTx/>
           <a:buNone/>
           <a:tabLst/>
-          <a:defRPr b="0" baseline="0" cap="none" i="0" spc="0" strike="noStrike" sz="1800" u="none" kumimoji="0" normalizeH="0">
+          <a:defRPr kumimoji="0" sz="1800" b="0" i="0" u="none" strike="noStrike" cap="none" spc="0" normalizeH="0" baseline="0">
             <a:ln>
               <a:noFill/>
             </a:ln>
@@ -5451,7 +5635,7 @@
           <a:buFontTx/>
           <a:buNone/>
           <a:tabLst/>
-          <a:defRPr b="0" baseline="0" cap="none" i="0" spc="0" strike="noStrike" sz="1800" u="none" kumimoji="0" normalizeH="0">
+          <a:defRPr kumimoji="0" sz="1800" b="0" i="0" u="none" strike="noStrike" cap="none" spc="0" normalizeH="0" baseline="0">
             <a:ln>
               <a:noFill/>
             </a:ln>
@@ -5464,9 +5648,15 @@
         </a:lvl9pPr>
       </a:lstStyle>
       <a:style>
-        <a:lnRef idx="0"/>
-        <a:fillRef idx="0"/>
-        <a:effectRef idx="0"/>
+        <a:lnRef idx="0">
+          <a:scrgbClr r="0" g="0" b="0"/>
+        </a:lnRef>
+        <a:fillRef idx="0">
+          <a:scrgbClr r="0" g="0" b="0"/>
+        </a:fillRef>
+        <a:effectRef idx="0">
+          <a:scrgbClr r="0" g="0" b="0"/>
+        </a:effectRef>
         <a:fontRef idx="none"/>
       </a:style>
     </a:spDef>
@@ -5483,7 +5673,7 @@
         <a:effectLst/>
         <a:sp3d/>
       </a:spPr>
-      <a:bodyPr rot="0" spcFirstLastPara="1" vertOverflow="overflow" horzOverflow="overflow" vert="horz" wrap="square" lIns="91439" tIns="45719" rIns="91439" bIns="45719" numCol="1" spcCol="38100" rtlCol="0" anchor="t" upright="0">
+      <a:bodyPr rot="0" spcFirstLastPara="1" vertOverflow="overflow" horzOverflow="overflow" vert="horz" wrap="square" lIns="91439" tIns="45719" rIns="91439" bIns="45719" numCol="1" spcCol="38100" rtlCol="0" anchor="t">
         <a:noAutofit/>
       </a:bodyPr>
       <a:lstStyle>
@@ -5502,7 +5692,7 @@
           <a:buFontTx/>
           <a:buNone/>
           <a:tabLst/>
-          <a:defRPr b="0" baseline="0" cap="none" i="0" spc="0" strike="noStrike" sz="1800" u="none" kumimoji="0" normalizeH="0">
+          <a:defRPr kumimoji="0" sz="1800" b="0" i="0" u="none" strike="noStrike" cap="none" spc="0" normalizeH="0" baseline="0">
             <a:ln>
               <a:noFill/>
             </a:ln>
@@ -5528,7 +5718,7 @@
           <a:buFontTx/>
           <a:buNone/>
           <a:tabLst/>
-          <a:defRPr b="0" baseline="0" cap="none" i="0" spc="0" strike="noStrike" sz="1800" u="none" kumimoji="0" normalizeH="0">
+          <a:defRPr kumimoji="0" sz="1800" b="0" i="0" u="none" strike="noStrike" cap="none" spc="0" normalizeH="0" baseline="0">
             <a:ln>
               <a:noFill/>
             </a:ln>
@@ -5554,7 +5744,7 @@
           <a:buFontTx/>
           <a:buNone/>
           <a:tabLst/>
-          <a:defRPr b="0" baseline="0" cap="none" i="0" spc="0" strike="noStrike" sz="1800" u="none" kumimoji="0" normalizeH="0">
+          <a:defRPr kumimoji="0" sz="1800" b="0" i="0" u="none" strike="noStrike" cap="none" spc="0" normalizeH="0" baseline="0">
             <a:ln>
               <a:noFill/>
             </a:ln>
@@ -5580,7 +5770,7 @@
           <a:buFontTx/>
           <a:buNone/>
           <a:tabLst/>
-          <a:defRPr b="0" baseline="0" cap="none" i="0" spc="0" strike="noStrike" sz="1800" u="none" kumimoji="0" normalizeH="0">
+          <a:defRPr kumimoji="0" sz="1800" b="0" i="0" u="none" strike="noStrike" cap="none" spc="0" normalizeH="0" baseline="0">
             <a:ln>
               <a:noFill/>
             </a:ln>
@@ -5606,7 +5796,7 @@
           <a:buFontTx/>
           <a:buNone/>
           <a:tabLst/>
-          <a:defRPr b="0" baseline="0" cap="none" i="0" spc="0" strike="noStrike" sz="1800" u="none" kumimoji="0" normalizeH="0">
+          <a:defRPr kumimoji="0" sz="1800" b="0" i="0" u="none" strike="noStrike" cap="none" spc="0" normalizeH="0" baseline="0">
             <a:ln>
               <a:noFill/>
             </a:ln>
@@ -5632,7 +5822,7 @@
           <a:buFontTx/>
           <a:buNone/>
           <a:tabLst/>
-          <a:defRPr b="0" baseline="0" cap="none" i="0" spc="0" strike="noStrike" sz="1800" u="none" kumimoji="0" normalizeH="0">
+          <a:defRPr kumimoji="0" sz="1800" b="0" i="0" u="none" strike="noStrike" cap="none" spc="0" normalizeH="0" baseline="0">
             <a:ln>
               <a:noFill/>
             </a:ln>
@@ -5658,7 +5848,7 @@
           <a:buFontTx/>
           <a:buNone/>
           <a:tabLst/>
-          <a:defRPr b="0" baseline="0" cap="none" i="0" spc="0" strike="noStrike" sz="1800" u="none" kumimoji="0" normalizeH="0">
+          <a:defRPr kumimoji="0" sz="1800" b="0" i="0" u="none" strike="noStrike" cap="none" spc="0" normalizeH="0" baseline="0">
             <a:ln>
               <a:noFill/>
             </a:ln>
@@ -5684,7 +5874,7 @@
           <a:buFontTx/>
           <a:buNone/>
           <a:tabLst/>
-          <a:defRPr b="0" baseline="0" cap="none" i="0" spc="0" strike="noStrike" sz="1800" u="none" kumimoji="0" normalizeH="0">
+          <a:defRPr kumimoji="0" sz="1800" b="0" i="0" u="none" strike="noStrike" cap="none" spc="0" normalizeH="0" baseline="0">
             <a:ln>
               <a:noFill/>
             </a:ln>
@@ -5710,7 +5900,7 @@
           <a:buFontTx/>
           <a:buNone/>
           <a:tabLst/>
-          <a:defRPr b="0" baseline="0" cap="none" i="0" spc="0" strike="noStrike" sz="1800" u="none" kumimoji="0" normalizeH="0">
+          <a:defRPr kumimoji="0" sz="1800" b="0" i="0" u="none" strike="noStrike" cap="none" spc="0" normalizeH="0" baseline="0">
             <a:ln>
               <a:noFill/>
             </a:ln>
@@ -5736,7 +5926,7 @@
           <a:buFontTx/>
           <a:buNone/>
           <a:tabLst/>
-          <a:defRPr b="0" baseline="0" cap="none" i="0" spc="0" strike="noStrike" sz="1800" u="none" kumimoji="0" normalizeH="0">
+          <a:defRPr kumimoji="0" sz="1800" b="0" i="0" u="none" strike="noStrike" cap="none" spc="0" normalizeH="0" baseline="0">
             <a:ln>
               <a:noFill/>
             </a:ln>
@@ -5749,9 +5939,15 @@
         </a:lvl9pPr>
       </a:lstStyle>
       <a:style>
-        <a:lnRef idx="0"/>
-        <a:fillRef idx="0"/>
-        <a:effectRef idx="0"/>
+        <a:lnRef idx="0">
+          <a:scrgbClr r="0" g="0" b="0"/>
+        </a:lnRef>
+        <a:fillRef idx="0">
+          <a:scrgbClr r="0" g="0" b="0"/>
+        </a:fillRef>
+        <a:effectRef idx="0">
+          <a:scrgbClr r="0" g="0" b="0"/>
+        </a:effectRef>
         <a:fontRef idx="none"/>
       </a:style>
     </a:lnDef>
@@ -5765,7 +5961,7 @@
         <a:effectLst/>
         <a:sp3d/>
       </a:spPr>
-      <a:bodyPr rot="0" spcFirstLastPara="1" vertOverflow="overflow" horzOverflow="overflow" vert="horz" wrap="square" lIns="45719" tIns="45719" rIns="45719" bIns="45719" numCol="1" spcCol="38100" rtlCol="0" anchor="t" upright="0">
+      <a:bodyPr rot="0" spcFirstLastPara="1" vertOverflow="overflow" horzOverflow="overflow" vert="horz" wrap="square" lIns="45719" tIns="45719" rIns="45719" bIns="45719" numCol="1" spcCol="38100" rtlCol="0" anchor="t">
         <a:spAutoFit/>
       </a:bodyPr>
       <a:lstStyle>
@@ -5784,7 +5980,7 @@
           <a:buFontTx/>
           <a:buNone/>
           <a:tabLst/>
-          <a:defRPr b="0" baseline="0" cap="none" i="0" spc="0" strike="noStrike" sz="1800" u="none" kumimoji="0" normalizeH="0">
+          <a:defRPr kumimoji="0" sz="1800" b="0" i="0" u="none" strike="noStrike" cap="none" spc="0" normalizeH="0" baseline="0">
             <a:ln>
               <a:noFill/>
             </a:ln>
@@ -5814,7 +6010,7 @@
           <a:buFontTx/>
           <a:buNone/>
           <a:tabLst/>
-          <a:defRPr b="0" baseline="0" cap="none" i="0" spc="0" strike="noStrike" sz="1800" u="none" kumimoji="0" normalizeH="0">
+          <a:defRPr kumimoji="0" sz="1800" b="0" i="0" u="none" strike="noStrike" cap="none" spc="0" normalizeH="0" baseline="0">
             <a:ln>
               <a:noFill/>
             </a:ln>
@@ -5840,7 +6036,7 @@
           <a:buFontTx/>
           <a:buNone/>
           <a:tabLst/>
-          <a:defRPr b="0" baseline="0" cap="none" i="0" spc="0" strike="noStrike" sz="1800" u="none" kumimoji="0" normalizeH="0">
+          <a:defRPr kumimoji="0" sz="1800" b="0" i="0" u="none" strike="noStrike" cap="none" spc="0" normalizeH="0" baseline="0">
             <a:ln>
               <a:noFill/>
             </a:ln>
@@ -5866,7 +6062,7 @@
           <a:buFontTx/>
           <a:buNone/>
           <a:tabLst/>
-          <a:defRPr b="0" baseline="0" cap="none" i="0" spc="0" strike="noStrike" sz="1800" u="none" kumimoji="0" normalizeH="0">
+          <a:defRPr kumimoji="0" sz="1800" b="0" i="0" u="none" strike="noStrike" cap="none" spc="0" normalizeH="0" baseline="0">
             <a:ln>
               <a:noFill/>
             </a:ln>
@@ -5892,7 +6088,7 @@
           <a:buFontTx/>
           <a:buNone/>
           <a:tabLst/>
-          <a:defRPr b="0" baseline="0" cap="none" i="0" spc="0" strike="noStrike" sz="1800" u="none" kumimoji="0" normalizeH="0">
+          <a:defRPr kumimoji="0" sz="1800" b="0" i="0" u="none" strike="noStrike" cap="none" spc="0" normalizeH="0" baseline="0">
             <a:ln>
               <a:noFill/>
             </a:ln>
@@ -5918,7 +6114,7 @@
           <a:buFontTx/>
           <a:buNone/>
           <a:tabLst/>
-          <a:defRPr b="0" baseline="0" cap="none" i="0" spc="0" strike="noStrike" sz="1800" u="none" kumimoji="0" normalizeH="0">
+          <a:defRPr kumimoji="0" sz="1800" b="0" i="0" u="none" strike="noStrike" cap="none" spc="0" normalizeH="0" baseline="0">
             <a:ln>
               <a:noFill/>
             </a:ln>
@@ -5944,7 +6140,7 @@
           <a:buFontTx/>
           <a:buNone/>
           <a:tabLst/>
-          <a:defRPr b="0" baseline="0" cap="none" i="0" spc="0" strike="noStrike" sz="1800" u="none" kumimoji="0" normalizeH="0">
+          <a:defRPr kumimoji="0" sz="1800" b="0" i="0" u="none" strike="noStrike" cap="none" spc="0" normalizeH="0" baseline="0">
             <a:ln>
               <a:noFill/>
             </a:ln>
@@ -5970,7 +6166,7 @@
           <a:buFontTx/>
           <a:buNone/>
           <a:tabLst/>
-          <a:defRPr b="0" baseline="0" cap="none" i="0" spc="0" strike="noStrike" sz="1800" u="none" kumimoji="0" normalizeH="0">
+          <a:defRPr kumimoji="0" sz="1800" b="0" i="0" u="none" strike="noStrike" cap="none" spc="0" normalizeH="0" baseline="0">
             <a:ln>
               <a:noFill/>
             </a:ln>
@@ -5996,7 +6192,7 @@
           <a:buFontTx/>
           <a:buNone/>
           <a:tabLst/>
-          <a:defRPr b="0" baseline="0" cap="none" i="0" spc="0" strike="noStrike" sz="1800" u="none" kumimoji="0" normalizeH="0">
+          <a:defRPr kumimoji="0" sz="1800" b="0" i="0" u="none" strike="noStrike" cap="none" spc="0" normalizeH="0" baseline="0">
             <a:ln>
               <a:noFill/>
             </a:ln>
@@ -6022,7 +6218,7 @@
           <a:buFontTx/>
           <a:buNone/>
           <a:tabLst/>
-          <a:defRPr b="0" baseline="0" cap="none" i="0" spc="0" strike="noStrike" sz="1800" u="none" kumimoji="0" normalizeH="0">
+          <a:defRPr kumimoji="0" sz="1800" b="0" i="0" u="none" strike="noStrike" cap="none" spc="0" normalizeH="0" baseline="0">
             <a:ln>
               <a:noFill/>
             </a:ln>
@@ -6035,12 +6231,19 @@
         </a:lvl9pPr>
       </a:lstStyle>
       <a:style>
-        <a:lnRef idx="0"/>
-        <a:fillRef idx="0"/>
-        <a:effectRef idx="0"/>
+        <a:lnRef idx="0">
+          <a:scrgbClr r="0" g="0" b="0"/>
+        </a:lnRef>
+        <a:fillRef idx="0">
+          <a:scrgbClr r="0" g="0" b="0"/>
+        </a:fillRef>
+        <a:effectRef idx="0">
+          <a:scrgbClr r="0" g="0" b="0"/>
+        </a:effectRef>
         <a:fontRef idx="none"/>
       </a:style>
     </a:txDef>
   </a:objectDefaults>
+  <a:extraClrSchemeLst/>
 </a:theme>
 </file>
--- a/Powerpoint.pptx
+++ b/Powerpoint.pptx
@@ -312,6 +312,11 @@
       </a:defRPr>
     </a:lvl9pPr>
   </p:defaultTextStyle>
+  <p:extLst>
+    <p:ext uri="{EFAFB233-063F-42B5-8137-9DF3F51BA10A}">
+      <p15:sldGuideLst xmlns:p15="http://schemas.microsoft.com/office/powerpoint/2012/main"/>
+    </p:ext>
+  </p:extLst>
 </p:presentation>
 </file>
 
@@ -2550,7 +2555,7 @@
           </a:ln>
           <a:extLst>
             <a:ext uri="{C572A759-6A51-4108-AA02-DFA0A04FC94B}">
-              <ma14:wrappingTextBoxFlag xmlns:ma14="http://schemas.microsoft.com/office/mac/drawingml/2011/main" xmlns:a14="http://schemas.microsoft.com/office/drawing/2010/main" xmlns:m="http://schemas.openxmlformats.org/officeDocument/2006/math" xmlns="" val="1"/>
+              <ma14:wrappingTextBoxFlag xmlns="" xmlns:m="http://schemas.openxmlformats.org/officeDocument/2006/math" xmlns:a14="http://schemas.microsoft.com/office/drawing/2010/main" xmlns:ma14="http://schemas.microsoft.com/office/mac/drawingml/2011/main" val="1"/>
             </a:ext>
           </a:extLst>
         </p:spPr>
@@ -2589,7 +2594,7 @@
           </a:ln>
           <a:extLst>
             <a:ext uri="{C572A759-6A51-4108-AA02-DFA0A04FC94B}">
-              <ma14:wrappingTextBoxFlag xmlns:ma14="http://schemas.microsoft.com/office/mac/drawingml/2011/main" xmlns:a14="http://schemas.microsoft.com/office/drawing/2010/main" xmlns:m="http://schemas.openxmlformats.org/officeDocument/2006/math" xmlns="" val="1"/>
+              <ma14:wrappingTextBoxFlag xmlns="" xmlns:m="http://schemas.openxmlformats.org/officeDocument/2006/math" xmlns:a14="http://schemas.microsoft.com/office/drawing/2010/main" xmlns:ma14="http://schemas.microsoft.com/office/mac/drawingml/2011/main" val="1"/>
             </a:ext>
           </a:extLst>
         </p:spPr>
@@ -3680,7 +3685,7 @@
           </a:ln>
           <a:extLst>
             <a:ext uri="{C572A759-6A51-4108-AA02-DFA0A04FC94B}">
-              <ma14:wrappingTextBoxFlag xmlns:ma14="http://schemas.microsoft.com/office/mac/drawingml/2011/main" xmlns:a14="http://schemas.microsoft.com/office/drawing/2010/main" xmlns:m="http://schemas.openxmlformats.org/officeDocument/2006/math" xmlns="" val="1"/>
+              <ma14:wrappingTextBoxFlag xmlns="" xmlns:m="http://schemas.openxmlformats.org/officeDocument/2006/math" xmlns:a14="http://schemas.microsoft.com/office/drawing/2010/main" xmlns:ma14="http://schemas.microsoft.com/office/mac/drawingml/2011/main" val="1"/>
             </a:ext>
           </a:extLst>
         </p:spPr>
@@ -3723,7 +3728,7 @@
           </a:ln>
           <a:extLst>
             <a:ext uri="{C572A759-6A51-4108-AA02-DFA0A04FC94B}">
-              <ma14:wrappingTextBoxFlag xmlns:ma14="http://schemas.microsoft.com/office/mac/drawingml/2011/main" xmlns:a14="http://schemas.microsoft.com/office/drawing/2010/main" xmlns:m="http://schemas.openxmlformats.org/officeDocument/2006/math" xmlns="" val="1"/>
+              <ma14:wrappingTextBoxFlag xmlns="" xmlns:m="http://schemas.openxmlformats.org/officeDocument/2006/math" xmlns:a14="http://schemas.microsoft.com/office/drawing/2010/main" xmlns:ma14="http://schemas.microsoft.com/office/mac/drawingml/2011/main" val="1"/>
             </a:ext>
           </a:extLst>
         </p:spPr>
@@ -4008,6 +4013,7 @@
               <a:defRPr b="1"/>
             </a:pPr>
             <a:r>
+              <a:rPr dirty="0"/>
               <a:t>Backend</a:t>
             </a:r>
           </a:p>
@@ -4016,7 +4022,28 @@
               <a:buChar char=" "/>
             </a:pPr>
             <a:r>
-              <a:t>sqlite database, cleaned and developed using Jupyter notebook, SQLAlchemy, SQLite3</a:t>
+              <a:rPr dirty="0" err="1"/>
+              <a:t>sqlite</a:t>
+            </a:r>
+            <a:r>
+              <a:rPr dirty="0"/>
+              <a:t> database, cleaned and developed using </a:t>
+            </a:r>
+            <a:r>
+              <a:rPr dirty="0" err="1"/>
+              <a:t>Jupyter</a:t>
+            </a:r>
+            <a:r>
+              <a:rPr dirty="0"/>
+              <a:t> notebook, </a:t>
+            </a:r>
+            <a:r>
+              <a:rPr dirty="0" err="1"/>
+              <a:t>SQLAlchemy</a:t>
+            </a:r>
+            <a:r>
+              <a:rPr dirty="0"/>
+              <a:t>, SQLite3</a:t>
             </a:r>
           </a:p>
           <a:p>
@@ -4024,7 +4051,16 @@
               <a:buChar char=" "/>
             </a:pPr>
             <a:r>
-              <a:t>Flask app serves our data via several routes allowing devs to access tickers by Sector (Category), Date, or Name</a:t>
+              <a:rPr dirty="0"/>
+              <a:t>Flask app serves our data via several routes allowing </a:t>
+            </a:r>
+            <a:r>
+              <a:rPr dirty="0" err="1"/>
+              <a:t>devs</a:t>
+            </a:r>
+            <a:r>
+              <a:rPr dirty="0"/>
+              <a:t> to access tickers by Sector (Category), Date, or Name</a:t>
             </a:r>
           </a:p>
           <a:p>
@@ -4032,10 +4068,11 @@
               <a:buChar char=" "/>
             </a:pPr>
             <a:r>
-              <a:rPr b="1"/>
+              <a:rPr b="1" dirty="0"/>
               <a:t>Frontend</a:t>
             </a:r>
             <a:r>
+              <a:rPr dirty="0"/>
               <a:t> </a:t>
             </a:r>
           </a:p>
@@ -4044,15 +4081,34 @@
               <a:buChar char=" "/>
             </a:pPr>
             <a:r>
-              <a:t>Bootstrap, D3, ObservableHQ add-ons (D3), Plotly</a:t>
-            </a:r>
+              <a:rPr dirty="0"/>
+              <a:t>Bootstrap, D3, </a:t>
+            </a:r>
+            <a:r>
+              <a:rPr dirty="0" err="1"/>
+              <a:t>ObservableHQ</a:t>
+            </a:r>
+            <a:r>
+              <a:rPr dirty="0"/>
+              <a:t> add-ons (D3), </a:t>
+            </a:r>
+            <a:r>
+              <a:rPr dirty="0" err="1"/>
+              <a:t>Plotly</a:t>
+            </a:r>
+            <a:endParaRPr dirty="0"/>
           </a:p>
           <a:p>
             <a:pPr marL="292608" lvl="1" indent="-91440">
               <a:buChar char=" "/>
             </a:pPr>
             <a:r>
-              <a:t>ObservableHQ add-ons: Multiline chart, Tree map, Bubble chart</a:t>
+              <a:rPr dirty="0" err="1"/>
+              <a:t>ObservableHQ</a:t>
+            </a:r>
+            <a:r>
+              <a:rPr dirty="0"/>
+              <a:t> add-ons: Multiline chart, Tree map, Bubble chart</a:t>
             </a:r>
           </a:p>
         </p:txBody>
